--- a/doc/2_ 프로젝트 계획서/WBS.pptx
+++ b/doc/2_ 프로젝트 계획서/WBS.pptx
@@ -6,6 +6,7 @@
   </p:sldMasterIdLst>
   <p:sldIdLst>
     <p:sldId id="256" r:id="rId2"/>
+    <p:sldId id="257" r:id="rId3"/>
   </p:sldIdLst>
   <p:sldSz cx="12192000" cy="6858000"/>
   <p:notesSz cx="6858000" cy="9144000"/>
@@ -104,6 +105,11 @@
       </a:defRPr>
     </a:lvl9pPr>
   </p:defaultTextStyle>
+  <p:extLst>
+    <p:ext uri="{EFAFB233-063F-42B5-8137-9DF3F51BA10A}">
+      <p15:sldGuideLst xmlns:p15="http://schemas.microsoft.com/office/powerpoint/2012/main"/>
+    </p:ext>
+  </p:extLst>
 </p:presentation>
 </file>
 
@@ -238,7 +244,7 @@
           <a:p>
             <a:fld id="{FABC059B-5AEE-4C42-AFD1-27CB8BBE1082}" type="datetimeFigureOut">
               <a:rPr lang="ko-KR" altLang="en-US" smtClean="0"/>
-              <a:t>2017-05-01</a:t>
+              <a:t>2017-05-05</a:t>
             </a:fld>
             <a:endParaRPr lang="ko-KR" altLang="en-US"/>
           </a:p>
@@ -408,7 +414,7 @@
           <a:p>
             <a:fld id="{FABC059B-5AEE-4C42-AFD1-27CB8BBE1082}" type="datetimeFigureOut">
               <a:rPr lang="ko-KR" altLang="en-US" smtClean="0"/>
-              <a:t>2017-05-01</a:t>
+              <a:t>2017-05-05</a:t>
             </a:fld>
             <a:endParaRPr lang="ko-KR" altLang="en-US"/>
           </a:p>
@@ -588,7 +594,7 @@
           <a:p>
             <a:fld id="{FABC059B-5AEE-4C42-AFD1-27CB8BBE1082}" type="datetimeFigureOut">
               <a:rPr lang="ko-KR" altLang="en-US" smtClean="0"/>
-              <a:t>2017-05-01</a:t>
+              <a:t>2017-05-05</a:t>
             </a:fld>
             <a:endParaRPr lang="ko-KR" altLang="en-US"/>
           </a:p>
@@ -758,7 +764,7 @@
           <a:p>
             <a:fld id="{FABC059B-5AEE-4C42-AFD1-27CB8BBE1082}" type="datetimeFigureOut">
               <a:rPr lang="ko-KR" altLang="en-US" smtClean="0"/>
-              <a:t>2017-05-01</a:t>
+              <a:t>2017-05-05</a:t>
             </a:fld>
             <a:endParaRPr lang="ko-KR" altLang="en-US"/>
           </a:p>
@@ -1004,7 +1010,7 @@
           <a:p>
             <a:fld id="{FABC059B-5AEE-4C42-AFD1-27CB8BBE1082}" type="datetimeFigureOut">
               <a:rPr lang="ko-KR" altLang="en-US" smtClean="0"/>
-              <a:t>2017-05-01</a:t>
+              <a:t>2017-05-05</a:t>
             </a:fld>
             <a:endParaRPr lang="ko-KR" altLang="en-US"/>
           </a:p>
@@ -1236,7 +1242,7 @@
           <a:p>
             <a:fld id="{FABC059B-5AEE-4C42-AFD1-27CB8BBE1082}" type="datetimeFigureOut">
               <a:rPr lang="ko-KR" altLang="en-US" smtClean="0"/>
-              <a:t>2017-05-01</a:t>
+              <a:t>2017-05-05</a:t>
             </a:fld>
             <a:endParaRPr lang="ko-KR" altLang="en-US"/>
           </a:p>
@@ -1603,7 +1609,7 @@
           <a:p>
             <a:fld id="{FABC059B-5AEE-4C42-AFD1-27CB8BBE1082}" type="datetimeFigureOut">
               <a:rPr lang="ko-KR" altLang="en-US" smtClean="0"/>
-              <a:t>2017-05-01</a:t>
+              <a:t>2017-05-05</a:t>
             </a:fld>
             <a:endParaRPr lang="ko-KR" altLang="en-US"/>
           </a:p>
@@ -1721,7 +1727,7 @@
           <a:p>
             <a:fld id="{FABC059B-5AEE-4C42-AFD1-27CB8BBE1082}" type="datetimeFigureOut">
               <a:rPr lang="ko-KR" altLang="en-US" smtClean="0"/>
-              <a:t>2017-05-01</a:t>
+              <a:t>2017-05-05</a:t>
             </a:fld>
             <a:endParaRPr lang="ko-KR" altLang="en-US"/>
           </a:p>
@@ -1816,7 +1822,7 @@
           <a:p>
             <a:fld id="{FABC059B-5AEE-4C42-AFD1-27CB8BBE1082}" type="datetimeFigureOut">
               <a:rPr lang="ko-KR" altLang="en-US" smtClean="0"/>
-              <a:t>2017-05-01</a:t>
+              <a:t>2017-05-05</a:t>
             </a:fld>
             <a:endParaRPr lang="ko-KR" altLang="en-US"/>
           </a:p>
@@ -2093,7 +2099,7 @@
           <a:p>
             <a:fld id="{FABC059B-5AEE-4C42-AFD1-27CB8BBE1082}" type="datetimeFigureOut">
               <a:rPr lang="ko-KR" altLang="en-US" smtClean="0"/>
-              <a:t>2017-05-01</a:t>
+              <a:t>2017-05-05</a:t>
             </a:fld>
             <a:endParaRPr lang="ko-KR" altLang="en-US"/>
           </a:p>
@@ -2346,7 +2352,7 @@
           <a:p>
             <a:fld id="{FABC059B-5AEE-4C42-AFD1-27CB8BBE1082}" type="datetimeFigureOut">
               <a:rPr lang="ko-KR" altLang="en-US" smtClean="0"/>
-              <a:t>2017-05-01</a:t>
+              <a:t>2017-05-05</a:t>
             </a:fld>
             <a:endParaRPr lang="ko-KR" altLang="en-US"/>
           </a:p>
@@ -2559,7 +2565,7 @@
           <a:p>
             <a:fld id="{FABC059B-5AEE-4C42-AFD1-27CB8BBE1082}" type="datetimeFigureOut">
               <a:rPr lang="ko-KR" altLang="en-US" smtClean="0"/>
-              <a:t>2017-05-01</a:t>
+              <a:t>2017-05-05</a:t>
             </a:fld>
             <a:endParaRPr lang="ko-KR" altLang="en-US"/>
           </a:p>
@@ -8480,6 +8486,3946 @@
 </p:sld>
 </file>
 
+<file path=ppt/slides/slide2.xml><?xml version="1.0" encoding="utf-8"?>
+<p:sld xmlns:a="http://schemas.openxmlformats.org/drawingml/2006/main" xmlns:r="http://schemas.openxmlformats.org/officeDocument/2006/relationships" xmlns:p="http://schemas.openxmlformats.org/presentationml/2006/main">
+  <p:cSld>
+    <p:spTree>
+      <p:nvGrpSpPr>
+        <p:cNvPr id="1" name=""/>
+        <p:cNvGrpSpPr/>
+        <p:nvPr/>
+      </p:nvGrpSpPr>
+      <p:grpSpPr>
+        <a:xfrm>
+          <a:off x="0" y="0"/>
+          <a:ext cx="0" cy="0"/>
+          <a:chOff x="0" y="0"/>
+          <a:chExt cx="0" cy="0"/>
+        </a:xfrm>
+      </p:grpSpPr>
+      <p:cxnSp>
+        <p:nvCxnSpPr>
+          <p:cNvPr id="112" name="꺾인 연결선 111"/>
+          <p:cNvCxnSpPr>
+            <a:stCxn id="27" idx="1"/>
+            <a:endCxn id="5" idx="1"/>
+          </p:cNvCxnSpPr>
+          <p:nvPr/>
+        </p:nvCxnSpPr>
+        <p:spPr>
+          <a:xfrm rot="10800000">
+            <a:off x="1305943" y="-708784"/>
+            <a:ext cx="176794" cy="1044748"/>
+          </a:xfrm>
+          <a:prstGeom prst="bentConnector3">
+            <a:avLst>
+              <a:gd name="adj1" fmla="val 59168"/>
+            </a:avLst>
+          </a:prstGeom>
+          <a:ln w="19050">
+            <a:solidFill>
+              <a:schemeClr val="tx1"/>
+            </a:solidFill>
+          </a:ln>
+        </p:spPr>
+        <p:style>
+          <a:lnRef idx="1">
+            <a:schemeClr val="accent1"/>
+          </a:lnRef>
+          <a:fillRef idx="0">
+            <a:schemeClr val="accent1"/>
+          </a:fillRef>
+          <a:effectRef idx="0">
+            <a:schemeClr val="accent1"/>
+          </a:effectRef>
+          <a:fontRef idx="minor">
+            <a:schemeClr val="tx1"/>
+          </a:fontRef>
+        </p:style>
+      </p:cxnSp>
+      <p:sp>
+        <p:nvSpPr>
+          <p:cNvPr id="4" name="직사각형 3"/>
+          <p:cNvSpPr/>
+          <p:nvPr/>
+        </p:nvSpPr>
+        <p:spPr>
+          <a:xfrm>
+            <a:off x="3880531" y="-1661764"/>
+            <a:ext cx="4055903" cy="353291"/>
+          </a:xfrm>
+          <a:prstGeom prst="rect">
+            <a:avLst/>
+          </a:prstGeom>
+          <a:solidFill>
+            <a:schemeClr val="bg1"/>
+          </a:solidFill>
+          <a:ln w="19050">
+            <a:solidFill>
+              <a:schemeClr val="tx1"/>
+            </a:solidFill>
+          </a:ln>
+        </p:spPr>
+        <p:style>
+          <a:lnRef idx="2">
+            <a:schemeClr val="accent1">
+              <a:shade val="50000"/>
+            </a:schemeClr>
+          </a:lnRef>
+          <a:fillRef idx="1">
+            <a:schemeClr val="accent1"/>
+          </a:fillRef>
+          <a:effectRef idx="0">
+            <a:schemeClr val="accent1"/>
+          </a:effectRef>
+          <a:fontRef idx="minor">
+            <a:schemeClr val="lt1"/>
+          </a:fontRef>
+        </p:style>
+        <p:txBody>
+          <a:bodyPr rtlCol="0" anchor="ctr"/>
+          <a:lstStyle/>
+          <a:p>
+            <a:pPr algn="ctr"/>
+            <a:r>
+              <a:rPr lang="en-US" altLang="ko-KR" sz="2000" dirty="0" smtClean="0">
+                <a:ln w="0"/>
+                <a:solidFill>
+                  <a:schemeClr val="tx1"/>
+                </a:solidFill>
+                <a:effectLst>
+                  <a:outerShdw blurRad="38100" dist="19050" dir="2700000" algn="tl" rotWithShape="0">
+                    <a:schemeClr val="dk1">
+                      <a:alpha val="40000"/>
+                    </a:schemeClr>
+                  </a:outerShdw>
+                </a:effectLst>
+              </a:rPr>
+              <a:t>To do list</a:t>
+            </a:r>
+            <a:endParaRPr lang="ko-KR" altLang="en-US" sz="2000" dirty="0">
+              <a:ln w="0"/>
+              <a:solidFill>
+                <a:schemeClr val="tx1"/>
+              </a:solidFill>
+              <a:effectLst>
+                <a:outerShdw blurRad="38100" dist="19050" dir="2700000" algn="tl" rotWithShape="0">
+                  <a:schemeClr val="dk1">
+                    <a:alpha val="40000"/>
+                  </a:schemeClr>
+                </a:outerShdw>
+              </a:effectLst>
+            </a:endParaRPr>
+          </a:p>
+        </p:txBody>
+      </p:sp>
+      <p:sp>
+        <p:nvSpPr>
+          <p:cNvPr id="5" name="직사각형 4"/>
+          <p:cNvSpPr/>
+          <p:nvPr/>
+        </p:nvSpPr>
+        <p:spPr>
+          <a:xfrm>
+            <a:off x="1305943" y="-885430"/>
+            <a:ext cx="1282539" cy="353291"/>
+          </a:xfrm>
+          <a:prstGeom prst="rect">
+            <a:avLst/>
+          </a:prstGeom>
+          <a:solidFill>
+            <a:schemeClr val="bg1"/>
+          </a:solidFill>
+          <a:ln w="19050">
+            <a:solidFill>
+              <a:schemeClr val="tx1"/>
+            </a:solidFill>
+          </a:ln>
+        </p:spPr>
+        <p:style>
+          <a:lnRef idx="2">
+            <a:schemeClr val="accent1">
+              <a:shade val="50000"/>
+            </a:schemeClr>
+          </a:lnRef>
+          <a:fillRef idx="1">
+            <a:schemeClr val="accent1"/>
+          </a:fillRef>
+          <a:effectRef idx="0">
+            <a:schemeClr val="accent1"/>
+          </a:effectRef>
+          <a:fontRef idx="minor">
+            <a:schemeClr val="lt1"/>
+          </a:fontRef>
+        </p:style>
+        <p:txBody>
+          <a:bodyPr rtlCol="0" anchor="ctr"/>
+          <a:lstStyle/>
+          <a:p>
+            <a:pPr algn="ctr"/>
+            <a:r>
+              <a:rPr lang="ko-KR" altLang="en-US" sz="1000" dirty="0" smtClean="0">
+                <a:ln w="0"/>
+                <a:solidFill>
+                  <a:schemeClr val="tx1"/>
+                </a:solidFill>
+                <a:effectLst>
+                  <a:outerShdw blurRad="38100" dist="19050" dir="2700000" algn="tl" rotWithShape="0">
+                    <a:schemeClr val="dk1">
+                      <a:alpha val="40000"/>
+                    </a:schemeClr>
+                  </a:outerShdw>
+                </a:effectLst>
+              </a:rPr>
+              <a:t>분석</a:t>
+            </a:r>
+            <a:endParaRPr lang="ko-KR" altLang="en-US" sz="1000" dirty="0">
+              <a:ln w="0"/>
+              <a:solidFill>
+                <a:schemeClr val="tx1"/>
+              </a:solidFill>
+              <a:effectLst>
+                <a:outerShdw blurRad="38100" dist="19050" dir="2700000" algn="tl" rotWithShape="0">
+                  <a:schemeClr val="dk1">
+                    <a:alpha val="40000"/>
+                  </a:schemeClr>
+                </a:outerShdw>
+              </a:effectLst>
+            </a:endParaRPr>
+          </a:p>
+        </p:txBody>
+      </p:sp>
+      <p:sp>
+        <p:nvSpPr>
+          <p:cNvPr id="26" name="직사각형 25"/>
+          <p:cNvSpPr/>
+          <p:nvPr/>
+        </p:nvSpPr>
+        <p:spPr>
+          <a:xfrm>
+            <a:off x="1482737" y="-373018"/>
+            <a:ext cx="1534657" cy="353291"/>
+          </a:xfrm>
+          <a:prstGeom prst="rect">
+            <a:avLst/>
+          </a:prstGeom>
+          <a:solidFill>
+            <a:schemeClr val="bg1"/>
+          </a:solidFill>
+          <a:ln w="19050">
+            <a:solidFill>
+              <a:schemeClr val="tx1"/>
+            </a:solidFill>
+          </a:ln>
+        </p:spPr>
+        <p:style>
+          <a:lnRef idx="2">
+            <a:schemeClr val="accent1">
+              <a:shade val="50000"/>
+            </a:schemeClr>
+          </a:lnRef>
+          <a:fillRef idx="1">
+            <a:schemeClr val="accent1"/>
+          </a:fillRef>
+          <a:effectRef idx="0">
+            <a:schemeClr val="accent1"/>
+          </a:effectRef>
+          <a:fontRef idx="minor">
+            <a:schemeClr val="lt1"/>
+          </a:fontRef>
+        </p:style>
+        <p:txBody>
+          <a:bodyPr rtlCol="0" anchor="ctr"/>
+          <a:lstStyle/>
+          <a:p>
+            <a:pPr algn="ctr"/>
+            <a:r>
+              <a:rPr lang="ko-KR" altLang="en-US" sz="1000" dirty="0" smtClean="0">
+                <a:ln w="0"/>
+                <a:solidFill>
+                  <a:schemeClr val="tx1"/>
+                </a:solidFill>
+                <a:effectLst>
+                  <a:outerShdw blurRad="38100" dist="19050" dir="2700000" algn="tl" rotWithShape="0">
+                    <a:schemeClr val="dk1">
+                      <a:alpha val="40000"/>
+                    </a:schemeClr>
+                  </a:outerShdw>
+                </a:effectLst>
+              </a:rPr>
+              <a:t>요구사항 명세서 작성</a:t>
+            </a:r>
+            <a:endParaRPr lang="ko-KR" altLang="en-US" sz="1000" dirty="0">
+              <a:ln w="0"/>
+              <a:solidFill>
+                <a:schemeClr val="tx1"/>
+              </a:solidFill>
+              <a:effectLst>
+                <a:outerShdw blurRad="38100" dist="19050" dir="2700000" algn="tl" rotWithShape="0">
+                  <a:schemeClr val="dk1">
+                    <a:alpha val="40000"/>
+                  </a:schemeClr>
+                </a:outerShdw>
+              </a:effectLst>
+            </a:endParaRPr>
+          </a:p>
+        </p:txBody>
+      </p:sp>
+      <p:sp>
+        <p:nvSpPr>
+          <p:cNvPr id="27" name="직사각형 26"/>
+          <p:cNvSpPr/>
+          <p:nvPr/>
+        </p:nvSpPr>
+        <p:spPr>
+          <a:xfrm>
+            <a:off x="1482737" y="159318"/>
+            <a:ext cx="1534657" cy="353291"/>
+          </a:xfrm>
+          <a:prstGeom prst="rect">
+            <a:avLst/>
+          </a:prstGeom>
+          <a:solidFill>
+            <a:schemeClr val="bg1"/>
+          </a:solidFill>
+          <a:ln w="19050">
+            <a:solidFill>
+              <a:schemeClr val="tx1"/>
+            </a:solidFill>
+          </a:ln>
+        </p:spPr>
+        <p:style>
+          <a:lnRef idx="2">
+            <a:schemeClr val="accent1">
+              <a:shade val="50000"/>
+            </a:schemeClr>
+          </a:lnRef>
+          <a:fillRef idx="1">
+            <a:schemeClr val="accent1"/>
+          </a:fillRef>
+          <a:effectRef idx="0">
+            <a:schemeClr val="accent1"/>
+          </a:effectRef>
+          <a:fontRef idx="minor">
+            <a:schemeClr val="lt1"/>
+          </a:fontRef>
+        </p:style>
+        <p:txBody>
+          <a:bodyPr rtlCol="0" anchor="ctr"/>
+          <a:lstStyle/>
+          <a:p>
+            <a:pPr algn="ctr"/>
+            <a:r>
+              <a:rPr lang="ko-KR" altLang="en-US" sz="1000" smtClean="0">
+                <a:ln w="0"/>
+                <a:solidFill>
+                  <a:schemeClr val="tx1"/>
+                </a:solidFill>
+                <a:effectLst>
+                  <a:outerShdw blurRad="38100" dist="19050" dir="2700000" algn="tl" rotWithShape="0">
+                    <a:schemeClr val="dk1">
+                      <a:alpha val="40000"/>
+                    </a:schemeClr>
+                  </a:outerShdw>
+                </a:effectLst>
+              </a:rPr>
+              <a:t>프로젝트 계획서 작성</a:t>
+            </a:r>
+            <a:endParaRPr lang="ko-KR" altLang="en-US" sz="1000" dirty="0">
+              <a:ln w="0"/>
+              <a:solidFill>
+                <a:schemeClr val="tx1"/>
+              </a:solidFill>
+              <a:effectLst>
+                <a:outerShdw blurRad="38100" dist="19050" dir="2700000" algn="tl" rotWithShape="0">
+                  <a:schemeClr val="dk1">
+                    <a:alpha val="40000"/>
+                  </a:schemeClr>
+                </a:outerShdw>
+              </a:effectLst>
+            </a:endParaRPr>
+          </a:p>
+        </p:txBody>
+      </p:sp>
+      <p:sp>
+        <p:nvSpPr>
+          <p:cNvPr id="62" name="TextBox 61"/>
+          <p:cNvSpPr txBox="1"/>
+          <p:nvPr/>
+        </p:nvSpPr>
+        <p:spPr>
+          <a:xfrm>
+            <a:off x="1305943" y="-1085485"/>
+            <a:ext cx="191719" cy="200055"/>
+          </a:xfrm>
+          <a:prstGeom prst="rect">
+            <a:avLst/>
+          </a:prstGeom>
+          <a:noFill/>
+        </p:spPr>
+        <p:txBody>
+          <a:bodyPr wrap="none" lIns="0" bIns="0" rtlCol="0" anchor="b">
+            <a:spAutoFit/>
+          </a:bodyPr>
+          <a:lstStyle/>
+          <a:p>
+            <a:r>
+              <a:rPr lang="en-US" altLang="ko-KR" sz="1000" dirty="0" smtClean="0"/>
+              <a:t>1.</a:t>
+            </a:r>
+            <a:endParaRPr lang="ko-KR" altLang="en-US" sz="1000" dirty="0"/>
+          </a:p>
+        </p:txBody>
+      </p:sp>
+      <p:sp>
+        <p:nvSpPr>
+          <p:cNvPr id="63" name="TextBox 62"/>
+          <p:cNvSpPr txBox="1"/>
+          <p:nvPr/>
+        </p:nvSpPr>
+        <p:spPr>
+          <a:xfrm>
+            <a:off x="1482737" y="-573073"/>
+            <a:ext cx="262251" cy="200055"/>
+          </a:xfrm>
+          <a:prstGeom prst="rect">
+            <a:avLst/>
+          </a:prstGeom>
+          <a:noFill/>
+        </p:spPr>
+        <p:txBody>
+          <a:bodyPr wrap="none" lIns="0" bIns="0" rtlCol="0" anchor="b">
+            <a:spAutoFit/>
+          </a:bodyPr>
+          <a:lstStyle/>
+          <a:p>
+            <a:r>
+              <a:rPr lang="en-US" altLang="ko-KR" sz="1000" dirty="0" smtClean="0"/>
+              <a:t>1.1</a:t>
+            </a:r>
+            <a:endParaRPr lang="ko-KR" altLang="en-US" sz="1000" dirty="0"/>
+          </a:p>
+        </p:txBody>
+      </p:sp>
+      <p:sp>
+        <p:nvSpPr>
+          <p:cNvPr id="71" name="TextBox 70"/>
+          <p:cNvSpPr txBox="1"/>
+          <p:nvPr/>
+        </p:nvSpPr>
+        <p:spPr>
+          <a:xfrm>
+            <a:off x="1482737" y="-54640"/>
+            <a:ext cx="262251" cy="200055"/>
+          </a:xfrm>
+          <a:prstGeom prst="rect">
+            <a:avLst/>
+          </a:prstGeom>
+          <a:noFill/>
+        </p:spPr>
+        <p:txBody>
+          <a:bodyPr wrap="none" lIns="0" bIns="0" rtlCol="0" anchor="b">
+            <a:spAutoFit/>
+          </a:bodyPr>
+          <a:lstStyle/>
+          <a:p>
+            <a:r>
+              <a:rPr lang="en-US" altLang="ko-KR" sz="1000" dirty="0" smtClean="0"/>
+              <a:t>1.2</a:t>
+            </a:r>
+            <a:endParaRPr lang="ko-KR" altLang="en-US" sz="1000" dirty="0"/>
+          </a:p>
+        </p:txBody>
+      </p:sp>
+      <p:grpSp>
+        <p:nvGrpSpPr>
+          <p:cNvPr id="103" name="그룹 102"/>
+          <p:cNvGrpSpPr/>
+          <p:nvPr/>
+        </p:nvGrpSpPr>
+        <p:grpSpPr>
+          <a:xfrm>
+            <a:off x="6537436" y="-1086812"/>
+            <a:ext cx="4390796" cy="550798"/>
+            <a:chOff x="7457516" y="480490"/>
+            <a:chExt cx="4390796" cy="550798"/>
+          </a:xfrm>
+          <a:noFill/>
+        </p:grpSpPr>
+        <p:sp>
+          <p:nvSpPr>
+            <p:cNvPr id="25" name="직사각형 24"/>
+            <p:cNvSpPr/>
+            <p:nvPr/>
+          </p:nvSpPr>
+          <p:spPr>
+            <a:xfrm>
+              <a:off x="9082567" y="677997"/>
+              <a:ext cx="1282539" cy="353291"/>
+            </a:xfrm>
+            <a:prstGeom prst="rect">
+              <a:avLst/>
+            </a:prstGeom>
+            <a:solidFill>
+              <a:schemeClr val="bg1"/>
+            </a:solidFill>
+            <a:ln w="19050">
+              <a:solidFill>
+                <a:schemeClr val="tx1"/>
+              </a:solidFill>
+            </a:ln>
+          </p:spPr>
+          <p:style>
+            <a:lnRef idx="2">
+              <a:schemeClr val="accent1">
+                <a:shade val="50000"/>
+              </a:schemeClr>
+            </a:lnRef>
+            <a:fillRef idx="1">
+              <a:schemeClr val="accent1"/>
+            </a:fillRef>
+            <a:effectRef idx="0">
+              <a:schemeClr val="accent1"/>
+            </a:effectRef>
+            <a:fontRef idx="minor">
+              <a:schemeClr val="lt1"/>
+            </a:fontRef>
+          </p:style>
+          <p:txBody>
+            <a:bodyPr rtlCol="0" anchor="ctr"/>
+            <a:lstStyle/>
+            <a:p>
+              <a:pPr algn="ctr"/>
+              <a:r>
+                <a:rPr lang="ko-KR" altLang="en-US" sz="1000" dirty="0" smtClean="0">
+                  <a:ln w="0"/>
+                  <a:solidFill>
+                    <a:schemeClr val="tx1"/>
+                  </a:solidFill>
+                  <a:effectLst>
+                    <a:outerShdw blurRad="38100" dist="19050" dir="2700000" algn="tl" rotWithShape="0">
+                      <a:schemeClr val="dk1">
+                        <a:alpha val="40000"/>
+                      </a:schemeClr>
+                    </a:outerShdw>
+                  </a:effectLst>
+                </a:rPr>
+                <a:t>테스트</a:t>
+              </a:r>
+              <a:endParaRPr lang="ko-KR" altLang="en-US" sz="1000" dirty="0">
+                <a:ln w="0"/>
+                <a:solidFill>
+                  <a:schemeClr val="tx1"/>
+                </a:solidFill>
+                <a:effectLst>
+                  <a:outerShdw blurRad="38100" dist="19050" dir="2700000" algn="tl" rotWithShape="0">
+                    <a:schemeClr val="dk1">
+                      <a:alpha val="40000"/>
+                    </a:schemeClr>
+                  </a:outerShdw>
+                </a:effectLst>
+              </a:endParaRPr>
+            </a:p>
+          </p:txBody>
+        </p:sp>
+        <p:sp>
+          <p:nvSpPr>
+            <p:cNvPr id="86" name="TextBox 85"/>
+            <p:cNvSpPr txBox="1"/>
+            <p:nvPr/>
+          </p:nvSpPr>
+          <p:spPr>
+            <a:xfrm>
+              <a:off x="7464717" y="480490"/>
+              <a:ext cx="191719" cy="200055"/>
+            </a:xfrm>
+            <a:prstGeom prst="rect">
+              <a:avLst/>
+            </a:prstGeom>
+            <a:grpFill/>
+          </p:spPr>
+          <p:txBody>
+            <a:bodyPr wrap="none" lIns="0" bIns="0" rtlCol="0" anchor="b">
+              <a:spAutoFit/>
+            </a:bodyPr>
+            <a:lstStyle/>
+            <a:p>
+              <a:r>
+                <a:rPr lang="en-US" altLang="ko-KR" sz="1000" dirty="0" smtClean="0"/>
+                <a:t>3.</a:t>
+              </a:r>
+              <a:endParaRPr lang="ko-KR" altLang="en-US" sz="1000" dirty="0"/>
+            </a:p>
+          </p:txBody>
+        </p:sp>
+        <p:sp>
+          <p:nvSpPr>
+            <p:cNvPr id="115" name="직사각형 114"/>
+            <p:cNvSpPr/>
+            <p:nvPr/>
+          </p:nvSpPr>
+          <p:spPr>
+            <a:xfrm>
+              <a:off x="10565773" y="677996"/>
+              <a:ext cx="1282539" cy="353291"/>
+            </a:xfrm>
+            <a:prstGeom prst="rect">
+              <a:avLst/>
+            </a:prstGeom>
+            <a:solidFill>
+              <a:schemeClr val="bg1"/>
+            </a:solidFill>
+            <a:ln w="19050">
+              <a:solidFill>
+                <a:schemeClr val="tx1"/>
+              </a:solidFill>
+            </a:ln>
+          </p:spPr>
+          <p:style>
+            <a:lnRef idx="2">
+              <a:schemeClr val="accent1">
+                <a:shade val="50000"/>
+              </a:schemeClr>
+            </a:lnRef>
+            <a:fillRef idx="1">
+              <a:schemeClr val="accent1"/>
+            </a:fillRef>
+            <a:effectRef idx="0">
+              <a:schemeClr val="accent1"/>
+            </a:effectRef>
+            <a:fontRef idx="minor">
+              <a:schemeClr val="lt1"/>
+            </a:fontRef>
+          </p:style>
+          <p:txBody>
+            <a:bodyPr rtlCol="0" anchor="ctr"/>
+            <a:lstStyle/>
+            <a:p>
+              <a:pPr algn="ctr"/>
+              <a:r>
+                <a:rPr lang="ko-KR" altLang="en-US" sz="1000" dirty="0" smtClean="0">
+                  <a:ln w="0"/>
+                  <a:solidFill>
+                    <a:schemeClr val="tx1"/>
+                  </a:solidFill>
+                  <a:effectLst>
+                    <a:outerShdw blurRad="38100" dist="19050" dir="2700000" algn="tl" rotWithShape="0">
+                      <a:schemeClr val="dk1">
+                        <a:alpha val="40000"/>
+                      </a:schemeClr>
+                    </a:outerShdw>
+                  </a:effectLst>
+                </a:rPr>
+                <a:t>마감</a:t>
+              </a:r>
+              <a:endParaRPr lang="ko-KR" altLang="en-US" sz="1000" dirty="0">
+                <a:ln w="0"/>
+                <a:solidFill>
+                  <a:schemeClr val="tx1"/>
+                </a:solidFill>
+                <a:effectLst>
+                  <a:outerShdw blurRad="38100" dist="19050" dir="2700000" algn="tl" rotWithShape="0">
+                    <a:schemeClr val="dk1">
+                      <a:alpha val="40000"/>
+                    </a:schemeClr>
+                  </a:outerShdw>
+                </a:effectLst>
+              </a:endParaRPr>
+            </a:p>
+          </p:txBody>
+        </p:sp>
+        <p:sp>
+          <p:nvSpPr>
+            <p:cNvPr id="118" name="직사각형 117"/>
+            <p:cNvSpPr/>
+            <p:nvPr/>
+          </p:nvSpPr>
+          <p:spPr>
+            <a:xfrm>
+              <a:off x="7457516" y="677997"/>
+              <a:ext cx="1282539" cy="353291"/>
+            </a:xfrm>
+            <a:prstGeom prst="rect">
+              <a:avLst/>
+            </a:prstGeom>
+            <a:solidFill>
+              <a:schemeClr val="bg1"/>
+            </a:solidFill>
+            <a:ln w="19050">
+              <a:solidFill>
+                <a:schemeClr val="tx1"/>
+              </a:solidFill>
+            </a:ln>
+          </p:spPr>
+          <p:style>
+            <a:lnRef idx="2">
+              <a:schemeClr val="accent1">
+                <a:shade val="50000"/>
+              </a:schemeClr>
+            </a:lnRef>
+            <a:fillRef idx="1">
+              <a:schemeClr val="accent1"/>
+            </a:fillRef>
+            <a:effectRef idx="0">
+              <a:schemeClr val="accent1"/>
+            </a:effectRef>
+            <a:fontRef idx="minor">
+              <a:schemeClr val="lt1"/>
+            </a:fontRef>
+          </p:style>
+          <p:txBody>
+            <a:bodyPr rtlCol="0" anchor="ctr"/>
+            <a:lstStyle/>
+            <a:p>
+              <a:pPr algn="ctr"/>
+              <a:r>
+                <a:rPr lang="ko-KR" altLang="en-US" sz="1000" dirty="0" smtClean="0">
+                  <a:ln w="0"/>
+                  <a:solidFill>
+                    <a:schemeClr val="tx1"/>
+                  </a:solidFill>
+                  <a:effectLst>
+                    <a:outerShdw blurRad="38100" dist="19050" dir="2700000" algn="tl" rotWithShape="0">
+                      <a:schemeClr val="dk1">
+                        <a:alpha val="40000"/>
+                      </a:schemeClr>
+                    </a:outerShdw>
+                  </a:effectLst>
+                </a:rPr>
+                <a:t>구현</a:t>
+              </a:r>
+              <a:endParaRPr lang="ko-KR" altLang="en-US" sz="1000" dirty="0">
+                <a:ln w="0"/>
+                <a:solidFill>
+                  <a:schemeClr val="tx1"/>
+                </a:solidFill>
+                <a:effectLst>
+                  <a:outerShdw blurRad="38100" dist="19050" dir="2700000" algn="tl" rotWithShape="0">
+                    <a:schemeClr val="dk1">
+                      <a:alpha val="40000"/>
+                    </a:schemeClr>
+                  </a:outerShdw>
+                </a:effectLst>
+              </a:endParaRPr>
+            </a:p>
+          </p:txBody>
+        </p:sp>
+        <p:sp>
+          <p:nvSpPr>
+            <p:cNvPr id="119" name="TextBox 118"/>
+            <p:cNvSpPr txBox="1"/>
+            <p:nvPr/>
+          </p:nvSpPr>
+          <p:spPr>
+            <a:xfrm>
+              <a:off x="9090145" y="480490"/>
+              <a:ext cx="191719" cy="200055"/>
+            </a:xfrm>
+            <a:prstGeom prst="rect">
+              <a:avLst/>
+            </a:prstGeom>
+            <a:grpFill/>
+          </p:spPr>
+          <p:txBody>
+            <a:bodyPr wrap="none" lIns="0" bIns="0" rtlCol="0" anchor="b">
+              <a:spAutoFit/>
+            </a:bodyPr>
+            <a:lstStyle/>
+            <a:p>
+              <a:r>
+                <a:rPr lang="en-US" altLang="ko-KR" sz="1000" dirty="0"/>
+                <a:t>4</a:t>
+              </a:r>
+              <a:r>
+                <a:rPr lang="en-US" altLang="ko-KR" sz="1000" dirty="0" smtClean="0"/>
+                <a:t>.</a:t>
+              </a:r>
+              <a:endParaRPr lang="ko-KR" altLang="en-US" sz="1000" dirty="0"/>
+            </a:p>
+          </p:txBody>
+        </p:sp>
+        <p:sp>
+          <p:nvSpPr>
+            <p:cNvPr id="120" name="TextBox 119"/>
+            <p:cNvSpPr txBox="1"/>
+            <p:nvPr/>
+          </p:nvSpPr>
+          <p:spPr>
+            <a:xfrm>
+              <a:off x="10565773" y="480490"/>
+              <a:ext cx="191719" cy="200055"/>
+            </a:xfrm>
+            <a:prstGeom prst="rect">
+              <a:avLst/>
+            </a:prstGeom>
+            <a:grpFill/>
+          </p:spPr>
+          <p:txBody>
+            <a:bodyPr wrap="none" lIns="0" bIns="0" rtlCol="0" anchor="b">
+              <a:spAutoFit/>
+            </a:bodyPr>
+            <a:lstStyle/>
+            <a:p>
+              <a:r>
+                <a:rPr lang="en-US" altLang="ko-KR" sz="1000" dirty="0"/>
+                <a:t>5</a:t>
+              </a:r>
+              <a:r>
+                <a:rPr lang="en-US" altLang="ko-KR" sz="1000" dirty="0" smtClean="0"/>
+                <a:t>.</a:t>
+              </a:r>
+              <a:endParaRPr lang="ko-KR" altLang="en-US" sz="1000" dirty="0"/>
+            </a:p>
+          </p:txBody>
+        </p:sp>
+      </p:grpSp>
+      <p:cxnSp>
+        <p:nvCxnSpPr>
+          <p:cNvPr id="105" name="직선 연결선 104"/>
+          <p:cNvCxnSpPr>
+            <a:stCxn id="4" idx="2"/>
+          </p:cNvCxnSpPr>
+          <p:nvPr/>
+        </p:nvCxnSpPr>
+        <p:spPr>
+          <a:xfrm>
+            <a:off x="5908483" y="-1308473"/>
+            <a:ext cx="0" cy="201033"/>
+          </a:xfrm>
+          <a:prstGeom prst="line">
+            <a:avLst/>
+          </a:prstGeom>
+          <a:ln w="19050">
+            <a:solidFill>
+              <a:schemeClr val="tx1"/>
+            </a:solidFill>
+          </a:ln>
+        </p:spPr>
+        <p:style>
+          <a:lnRef idx="1">
+            <a:schemeClr val="accent1"/>
+          </a:lnRef>
+          <a:fillRef idx="0">
+            <a:schemeClr val="accent1"/>
+          </a:fillRef>
+          <a:effectRef idx="0">
+            <a:schemeClr val="accent1"/>
+          </a:effectRef>
+          <a:fontRef idx="minor">
+            <a:schemeClr val="tx1"/>
+          </a:fontRef>
+        </p:style>
+      </p:cxnSp>
+      <p:cxnSp>
+        <p:nvCxnSpPr>
+          <p:cNvPr id="107" name="꺾인 연결선 106"/>
+          <p:cNvCxnSpPr>
+            <a:stCxn id="5" idx="0"/>
+            <a:endCxn id="25" idx="0"/>
+          </p:cNvCxnSpPr>
+          <p:nvPr/>
+        </p:nvCxnSpPr>
+        <p:spPr>
+          <a:xfrm rot="5400000" flipH="1" flipV="1">
+            <a:off x="5373548" y="-4315639"/>
+            <a:ext cx="3875" cy="6856544"/>
+          </a:xfrm>
+          <a:prstGeom prst="bentConnector3">
+            <a:avLst>
+              <a:gd name="adj1" fmla="val 5999355"/>
+            </a:avLst>
+          </a:prstGeom>
+          <a:ln w="19050">
+            <a:solidFill>
+              <a:schemeClr val="tx1"/>
+            </a:solidFill>
+          </a:ln>
+        </p:spPr>
+        <p:style>
+          <a:lnRef idx="1">
+            <a:schemeClr val="accent1"/>
+          </a:lnRef>
+          <a:fillRef idx="0">
+            <a:schemeClr val="accent1"/>
+          </a:fillRef>
+          <a:effectRef idx="0">
+            <a:schemeClr val="accent1"/>
+          </a:effectRef>
+          <a:fontRef idx="minor">
+            <a:schemeClr val="tx1"/>
+          </a:fontRef>
+        </p:style>
+      </p:cxnSp>
+      <p:cxnSp>
+        <p:nvCxnSpPr>
+          <p:cNvPr id="122" name="직선 연결선 121"/>
+          <p:cNvCxnSpPr>
+            <a:stCxn id="26" idx="1"/>
+          </p:cNvCxnSpPr>
+          <p:nvPr/>
+        </p:nvCxnSpPr>
+        <p:spPr>
+          <a:xfrm flipH="1">
+            <a:off x="1383030" y="-196372"/>
+            <a:ext cx="99707" cy="0"/>
+          </a:xfrm>
+          <a:prstGeom prst="line">
+            <a:avLst/>
+          </a:prstGeom>
+          <a:ln w="19050">
+            <a:solidFill>
+              <a:schemeClr val="tx1"/>
+            </a:solidFill>
+          </a:ln>
+        </p:spPr>
+        <p:style>
+          <a:lnRef idx="1">
+            <a:schemeClr val="accent1"/>
+          </a:lnRef>
+          <a:fillRef idx="0">
+            <a:schemeClr val="accent1"/>
+          </a:fillRef>
+          <a:effectRef idx="0">
+            <a:schemeClr val="accent1"/>
+          </a:effectRef>
+          <a:fontRef idx="minor">
+            <a:schemeClr val="tx1"/>
+          </a:fontRef>
+        </p:style>
+      </p:cxnSp>
+      <p:grpSp>
+        <p:nvGrpSpPr>
+          <p:cNvPr id="201" name="그룹 200"/>
+          <p:cNvGrpSpPr/>
+          <p:nvPr/>
+        </p:nvGrpSpPr>
+        <p:grpSpPr>
+          <a:xfrm>
+            <a:off x="3194188" y="-1085485"/>
+            <a:ext cx="3139958" cy="9113877"/>
+            <a:chOff x="5266125" y="-1085485"/>
+            <a:chExt cx="3139958" cy="9113877"/>
+          </a:xfrm>
+        </p:grpSpPr>
+        <p:cxnSp>
+          <p:nvCxnSpPr>
+            <p:cNvPr id="154" name="꺾인 연결선 153"/>
+            <p:cNvCxnSpPr>
+              <a:stCxn id="184" idx="1"/>
+              <a:endCxn id="53" idx="1"/>
+            </p:cNvCxnSpPr>
+            <p:nvPr/>
+          </p:nvCxnSpPr>
+          <p:spPr>
+            <a:xfrm rot="10800000">
+              <a:off x="5464993" y="3316941"/>
+              <a:ext cx="142592" cy="4534806"/>
+            </a:xfrm>
+            <a:prstGeom prst="bentConnector3">
+              <a:avLst>
+                <a:gd name="adj1" fmla="val 55112"/>
+              </a:avLst>
+            </a:prstGeom>
+            <a:ln w="19050">
+              <a:solidFill>
+                <a:schemeClr val="tx1"/>
+              </a:solidFill>
+            </a:ln>
+          </p:spPr>
+          <p:style>
+            <a:lnRef idx="1">
+              <a:schemeClr val="accent1"/>
+            </a:lnRef>
+            <a:fillRef idx="0">
+              <a:schemeClr val="accent1"/>
+            </a:fillRef>
+            <a:effectRef idx="0">
+              <a:schemeClr val="accent1"/>
+            </a:effectRef>
+            <a:fontRef idx="minor">
+              <a:schemeClr val="tx1"/>
+            </a:fontRef>
+          </p:style>
+        </p:cxnSp>
+        <p:cxnSp>
+          <p:nvCxnSpPr>
+            <p:cNvPr id="110" name="꺾인 연결선 109"/>
+            <p:cNvCxnSpPr>
+              <a:stCxn id="140" idx="1"/>
+              <a:endCxn id="47" idx="1"/>
+            </p:cNvCxnSpPr>
+            <p:nvPr/>
+          </p:nvCxnSpPr>
+          <p:spPr>
+            <a:xfrm rot="10800000">
+              <a:off x="5457844" y="-194189"/>
+              <a:ext cx="149740" cy="2995035"/>
+            </a:xfrm>
+            <a:prstGeom prst="bentConnector3">
+              <a:avLst>
+                <a:gd name="adj1" fmla="val 49112"/>
+              </a:avLst>
+            </a:prstGeom>
+            <a:ln w="19050">
+              <a:solidFill>
+                <a:schemeClr val="tx1"/>
+              </a:solidFill>
+            </a:ln>
+          </p:spPr>
+          <p:style>
+            <a:lnRef idx="1">
+              <a:schemeClr val="accent1"/>
+            </a:lnRef>
+            <a:fillRef idx="0">
+              <a:schemeClr val="accent1"/>
+            </a:fillRef>
+            <a:effectRef idx="0">
+              <a:schemeClr val="accent1"/>
+            </a:effectRef>
+            <a:fontRef idx="minor">
+              <a:schemeClr val="tx1"/>
+            </a:fontRef>
+          </p:style>
+        </p:cxnSp>
+        <p:cxnSp>
+          <p:nvCxnSpPr>
+            <p:cNvPr id="117" name="꺾인 연결선 116"/>
+            <p:cNvCxnSpPr>
+              <a:stCxn id="53" idx="1"/>
+              <a:endCxn id="24" idx="1"/>
+            </p:cNvCxnSpPr>
+            <p:nvPr/>
+          </p:nvCxnSpPr>
+          <p:spPr>
+            <a:xfrm rot="10800000">
+              <a:off x="5266125" y="-712659"/>
+              <a:ext cx="198868" cy="4029600"/>
+            </a:xfrm>
+            <a:prstGeom prst="bentConnector3">
+              <a:avLst>
+                <a:gd name="adj1" fmla="val 59385"/>
+              </a:avLst>
+            </a:prstGeom>
+            <a:ln w="19050">
+              <a:solidFill>
+                <a:schemeClr val="tx1"/>
+              </a:solidFill>
+            </a:ln>
+          </p:spPr>
+          <p:style>
+            <a:lnRef idx="1">
+              <a:schemeClr val="accent1"/>
+            </a:lnRef>
+            <a:fillRef idx="0">
+              <a:schemeClr val="accent1"/>
+            </a:fillRef>
+            <a:effectRef idx="0">
+              <a:schemeClr val="accent1"/>
+            </a:effectRef>
+            <a:fontRef idx="minor">
+              <a:schemeClr val="tx1"/>
+            </a:fontRef>
+          </p:style>
+        </p:cxnSp>
+        <p:sp>
+          <p:nvSpPr>
+            <p:cNvPr id="24" name="직사각형 23"/>
+            <p:cNvSpPr/>
+            <p:nvPr/>
+          </p:nvSpPr>
+          <p:spPr>
+            <a:xfrm>
+              <a:off x="5266125" y="-889305"/>
+              <a:ext cx="1282539" cy="353291"/>
+            </a:xfrm>
+            <a:prstGeom prst="rect">
+              <a:avLst/>
+            </a:prstGeom>
+            <a:solidFill>
+              <a:schemeClr val="bg1"/>
+            </a:solidFill>
+            <a:ln w="19050">
+              <a:solidFill>
+                <a:schemeClr val="tx1"/>
+              </a:solidFill>
+            </a:ln>
+          </p:spPr>
+          <p:style>
+            <a:lnRef idx="2">
+              <a:schemeClr val="accent1">
+                <a:shade val="50000"/>
+              </a:schemeClr>
+            </a:lnRef>
+            <a:fillRef idx="1">
+              <a:schemeClr val="accent1"/>
+            </a:fillRef>
+            <a:effectRef idx="0">
+              <a:schemeClr val="accent1"/>
+            </a:effectRef>
+            <a:fontRef idx="minor">
+              <a:schemeClr val="lt1"/>
+            </a:fontRef>
+          </p:style>
+          <p:txBody>
+            <a:bodyPr rtlCol="0" anchor="ctr"/>
+            <a:lstStyle/>
+            <a:p>
+              <a:pPr algn="ctr"/>
+              <a:r>
+                <a:rPr lang="ko-KR" altLang="en-US" sz="1000" dirty="0" smtClean="0">
+                  <a:ln w="0"/>
+                  <a:solidFill>
+                    <a:schemeClr val="tx1"/>
+                  </a:solidFill>
+                  <a:effectLst>
+                    <a:outerShdw blurRad="38100" dist="19050" dir="2700000" algn="tl" rotWithShape="0">
+                      <a:schemeClr val="dk1">
+                        <a:alpha val="40000"/>
+                      </a:schemeClr>
+                    </a:outerShdw>
+                  </a:effectLst>
+                </a:rPr>
+                <a:t>설계</a:t>
+              </a:r>
+              <a:endParaRPr lang="ko-KR" altLang="en-US" sz="1000" dirty="0">
+                <a:ln w="0"/>
+                <a:solidFill>
+                  <a:schemeClr val="tx1"/>
+                </a:solidFill>
+                <a:effectLst>
+                  <a:outerShdw blurRad="38100" dist="19050" dir="2700000" algn="tl" rotWithShape="0">
+                    <a:schemeClr val="dk1">
+                      <a:alpha val="40000"/>
+                    </a:schemeClr>
+                  </a:outerShdw>
+                </a:effectLst>
+              </a:endParaRPr>
+            </a:p>
+          </p:txBody>
+        </p:sp>
+        <p:sp>
+          <p:nvSpPr>
+            <p:cNvPr id="47" name="직사각형 46"/>
+            <p:cNvSpPr/>
+            <p:nvPr/>
+          </p:nvSpPr>
+          <p:spPr>
+            <a:xfrm>
+              <a:off x="5457844" y="-370836"/>
+              <a:ext cx="1387964" cy="353291"/>
+            </a:xfrm>
+            <a:prstGeom prst="rect">
+              <a:avLst/>
+            </a:prstGeom>
+            <a:solidFill>
+              <a:schemeClr val="bg1"/>
+            </a:solidFill>
+            <a:ln w="19050">
+              <a:solidFill>
+                <a:schemeClr val="tx1"/>
+              </a:solidFill>
+            </a:ln>
+          </p:spPr>
+          <p:style>
+            <a:lnRef idx="2">
+              <a:schemeClr val="accent1">
+                <a:shade val="50000"/>
+              </a:schemeClr>
+            </a:lnRef>
+            <a:fillRef idx="1">
+              <a:schemeClr val="accent1"/>
+            </a:fillRef>
+            <a:effectRef idx="0">
+              <a:schemeClr val="accent1"/>
+            </a:effectRef>
+            <a:fontRef idx="minor">
+              <a:schemeClr val="lt1"/>
+            </a:fontRef>
+          </p:style>
+          <p:txBody>
+            <a:bodyPr rtlCol="0" anchor="ctr"/>
+            <a:lstStyle/>
+            <a:p>
+              <a:pPr algn="ctr"/>
+              <a:r>
+                <a:rPr lang="ko-KR" altLang="en-US" sz="1000" smtClean="0">
+                  <a:ln w="0"/>
+                  <a:solidFill>
+                    <a:schemeClr val="tx1"/>
+                  </a:solidFill>
+                  <a:effectLst>
+                    <a:outerShdw blurRad="38100" dist="19050" dir="2700000" algn="tl" rotWithShape="0">
+                      <a:schemeClr val="dk1">
+                        <a:alpha val="40000"/>
+                      </a:schemeClr>
+                    </a:outerShdw>
+                  </a:effectLst>
+                </a:rPr>
+                <a:t>클래스 디자인 작성</a:t>
+              </a:r>
+              <a:endParaRPr lang="ko-KR" altLang="en-US" sz="1000" dirty="0">
+                <a:ln w="0"/>
+                <a:solidFill>
+                  <a:schemeClr val="tx1"/>
+                </a:solidFill>
+                <a:effectLst>
+                  <a:outerShdw blurRad="38100" dist="19050" dir="2700000" algn="tl" rotWithShape="0">
+                    <a:schemeClr val="dk1">
+                      <a:alpha val="40000"/>
+                    </a:schemeClr>
+                  </a:outerShdw>
+                </a:effectLst>
+              </a:endParaRPr>
+            </a:p>
+          </p:txBody>
+        </p:sp>
+        <p:sp>
+          <p:nvSpPr>
+            <p:cNvPr id="48" name="직사각형 47"/>
+            <p:cNvSpPr/>
+            <p:nvPr/>
+          </p:nvSpPr>
+          <p:spPr>
+            <a:xfrm>
+              <a:off x="5607584" y="136154"/>
+              <a:ext cx="2798499" cy="353291"/>
+            </a:xfrm>
+            <a:prstGeom prst="rect">
+              <a:avLst/>
+            </a:prstGeom>
+            <a:solidFill>
+              <a:schemeClr val="bg1"/>
+            </a:solidFill>
+            <a:ln w="19050">
+              <a:solidFill>
+                <a:schemeClr val="tx1"/>
+              </a:solidFill>
+            </a:ln>
+          </p:spPr>
+          <p:style>
+            <a:lnRef idx="2">
+              <a:schemeClr val="accent1">
+                <a:shade val="50000"/>
+              </a:schemeClr>
+            </a:lnRef>
+            <a:fillRef idx="1">
+              <a:schemeClr val="accent1"/>
+            </a:fillRef>
+            <a:effectRef idx="0">
+              <a:schemeClr val="accent1"/>
+            </a:effectRef>
+            <a:fontRef idx="minor">
+              <a:schemeClr val="lt1"/>
+            </a:fontRef>
+          </p:style>
+          <p:txBody>
+            <a:bodyPr rtlCol="0" anchor="ctr"/>
+            <a:lstStyle/>
+            <a:p>
+              <a:pPr algn="ctr"/>
+              <a:r>
+                <a:rPr lang="en-US" altLang="ko-KR" sz="1000" dirty="0">
+                  <a:ln w="0"/>
+                  <a:solidFill>
+                    <a:schemeClr val="tx1"/>
+                  </a:solidFill>
+                  <a:effectLst>
+                    <a:outerShdw blurRad="38100" dist="19050" dir="2700000" algn="tl" rotWithShape="0">
+                      <a:schemeClr val="dk1">
+                        <a:alpha val="40000"/>
+                      </a:schemeClr>
+                    </a:outerShdw>
+                  </a:effectLst>
+                </a:rPr>
+                <a:t>To do list </a:t>
+              </a:r>
+              <a:r>
+                <a:rPr lang="ko-KR" altLang="en-US" sz="1000" dirty="0">
+                  <a:ln w="0"/>
+                  <a:solidFill>
+                    <a:schemeClr val="tx1"/>
+                  </a:solidFill>
+                  <a:effectLst>
+                    <a:outerShdw blurRad="38100" dist="19050" dir="2700000" algn="tl" rotWithShape="0">
+                      <a:schemeClr val="dk1">
+                        <a:alpha val="40000"/>
+                      </a:schemeClr>
+                    </a:outerShdw>
+                  </a:effectLst>
+                </a:rPr>
+                <a:t>로그인 창 버튼 및 텍스트 영역</a:t>
+              </a:r>
+              <a:endParaRPr lang="ko-KR" altLang="en-US" sz="1000" dirty="0">
+                <a:ln w="0"/>
+                <a:solidFill>
+                  <a:schemeClr val="tx1"/>
+                </a:solidFill>
+                <a:effectLst>
+                  <a:outerShdw blurRad="38100" dist="19050" dir="2700000" algn="tl" rotWithShape="0">
+                    <a:schemeClr val="dk1">
+                      <a:alpha val="40000"/>
+                    </a:schemeClr>
+                  </a:outerShdw>
+                </a:effectLst>
+              </a:endParaRPr>
+            </a:p>
+          </p:txBody>
+        </p:sp>
+        <p:sp>
+          <p:nvSpPr>
+            <p:cNvPr id="49" name="직사각형 48"/>
+            <p:cNvSpPr/>
+            <p:nvPr/>
+          </p:nvSpPr>
+          <p:spPr>
+            <a:xfrm>
+              <a:off x="5607584" y="624975"/>
+              <a:ext cx="2798499" cy="353291"/>
+            </a:xfrm>
+            <a:prstGeom prst="rect">
+              <a:avLst/>
+            </a:prstGeom>
+            <a:solidFill>
+              <a:schemeClr val="bg1"/>
+            </a:solidFill>
+            <a:ln w="19050">
+              <a:solidFill>
+                <a:schemeClr val="tx1"/>
+              </a:solidFill>
+            </a:ln>
+          </p:spPr>
+          <p:style>
+            <a:lnRef idx="2">
+              <a:schemeClr val="accent1">
+                <a:shade val="50000"/>
+              </a:schemeClr>
+            </a:lnRef>
+            <a:fillRef idx="1">
+              <a:schemeClr val="accent1"/>
+            </a:fillRef>
+            <a:effectRef idx="0">
+              <a:schemeClr val="accent1"/>
+            </a:effectRef>
+            <a:fontRef idx="minor">
+              <a:schemeClr val="lt1"/>
+            </a:fontRef>
+          </p:style>
+          <p:txBody>
+            <a:bodyPr rtlCol="0" anchor="ctr"/>
+            <a:lstStyle/>
+            <a:p>
+              <a:pPr algn="ctr"/>
+              <a:r>
+                <a:rPr lang="ko-KR" altLang="en-US" sz="1000" dirty="0">
+                  <a:ln w="0"/>
+                  <a:solidFill>
+                    <a:schemeClr val="tx1"/>
+                  </a:solidFill>
+                  <a:effectLst>
+                    <a:outerShdw blurRad="38100" dist="19050" dir="2700000" algn="tl" rotWithShape="0">
+                      <a:schemeClr val="dk1">
+                        <a:alpha val="40000"/>
+                      </a:schemeClr>
+                    </a:outerShdw>
+                  </a:effectLst>
+                </a:rPr>
+                <a:t>계정 등록  창 버튼 및 텍스트 영역</a:t>
+              </a:r>
+              <a:endParaRPr lang="ko-KR" altLang="en-US" sz="1000" dirty="0">
+                <a:ln w="0"/>
+                <a:solidFill>
+                  <a:schemeClr val="tx1"/>
+                </a:solidFill>
+                <a:effectLst>
+                  <a:outerShdw blurRad="38100" dist="19050" dir="2700000" algn="tl" rotWithShape="0">
+                    <a:schemeClr val="dk1">
+                      <a:alpha val="40000"/>
+                    </a:schemeClr>
+                  </a:outerShdw>
+                </a:effectLst>
+              </a:endParaRPr>
+            </a:p>
+          </p:txBody>
+        </p:sp>
+        <p:sp>
+          <p:nvSpPr>
+            <p:cNvPr id="50" name="직사각형 49"/>
+            <p:cNvSpPr/>
+            <p:nvPr/>
+          </p:nvSpPr>
+          <p:spPr>
+            <a:xfrm>
+              <a:off x="5607584" y="1113796"/>
+              <a:ext cx="2798499" cy="353291"/>
+            </a:xfrm>
+            <a:prstGeom prst="rect">
+              <a:avLst/>
+            </a:prstGeom>
+            <a:solidFill>
+              <a:schemeClr val="bg1"/>
+            </a:solidFill>
+            <a:ln w="19050">
+              <a:solidFill>
+                <a:schemeClr val="tx1"/>
+              </a:solidFill>
+            </a:ln>
+          </p:spPr>
+          <p:style>
+            <a:lnRef idx="2">
+              <a:schemeClr val="accent1">
+                <a:shade val="50000"/>
+              </a:schemeClr>
+            </a:lnRef>
+            <a:fillRef idx="1">
+              <a:schemeClr val="accent1"/>
+            </a:fillRef>
+            <a:effectRef idx="0">
+              <a:schemeClr val="accent1"/>
+            </a:effectRef>
+            <a:fontRef idx="minor">
+              <a:schemeClr val="lt1"/>
+            </a:fontRef>
+          </p:style>
+          <p:txBody>
+            <a:bodyPr rtlCol="0" anchor="ctr"/>
+            <a:lstStyle/>
+            <a:p>
+              <a:pPr algn="ctr"/>
+              <a:r>
+                <a:rPr lang="ko-KR" altLang="en-US" sz="1000" dirty="0">
+                  <a:ln w="0"/>
+                  <a:solidFill>
+                    <a:schemeClr val="tx1"/>
+                  </a:solidFill>
+                  <a:effectLst>
+                    <a:outerShdw blurRad="38100" dist="19050" dir="2700000" algn="tl" rotWithShape="0">
+                      <a:schemeClr val="dk1">
+                        <a:alpha val="40000"/>
+                      </a:schemeClr>
+                    </a:outerShdw>
+                  </a:effectLst>
+                </a:rPr>
+                <a:t>과목 </a:t>
+              </a:r>
+              <a:r>
+                <a:rPr lang="en-US" altLang="ko-KR" sz="1000" smtClean="0">
+                  <a:ln w="0"/>
+                  <a:solidFill>
+                    <a:schemeClr val="tx1"/>
+                  </a:solidFill>
+                  <a:effectLst>
+                    <a:outerShdw blurRad="38100" dist="19050" dir="2700000" algn="tl" rotWithShape="0">
+                      <a:schemeClr val="dk1">
+                        <a:alpha val="40000"/>
+                      </a:schemeClr>
+                    </a:outerShdw>
+                  </a:effectLst>
+                </a:rPr>
+                <a:t>/ </a:t>
+              </a:r>
+              <a:r>
+                <a:rPr lang="ko-KR" altLang="en-US" sz="1000" smtClean="0">
+                  <a:ln w="0"/>
+                  <a:solidFill>
+                    <a:schemeClr val="tx1"/>
+                  </a:solidFill>
+                  <a:effectLst>
+                    <a:outerShdw blurRad="38100" dist="19050" dir="2700000" algn="tl" rotWithShape="0">
+                      <a:schemeClr val="dk1">
+                        <a:alpha val="40000"/>
+                      </a:schemeClr>
+                    </a:outerShdw>
+                  </a:effectLst>
+                </a:rPr>
+                <a:t>항목 </a:t>
+              </a:r>
+              <a:r>
+                <a:rPr lang="ko-KR" altLang="en-US" sz="1000" dirty="0" smtClean="0">
+                  <a:ln w="0"/>
+                  <a:solidFill>
+                    <a:schemeClr val="tx1"/>
+                  </a:solidFill>
+                  <a:effectLst>
+                    <a:outerShdw blurRad="38100" dist="19050" dir="2700000" algn="tl" rotWithShape="0">
+                      <a:schemeClr val="dk1">
+                        <a:alpha val="40000"/>
+                      </a:schemeClr>
+                    </a:outerShdw>
+                  </a:effectLst>
+                </a:rPr>
+                <a:t>리스트 </a:t>
+              </a:r>
+              <a:r>
+                <a:rPr lang="ko-KR" altLang="en-US" sz="1000" dirty="0">
+                  <a:ln w="0"/>
+                  <a:solidFill>
+                    <a:schemeClr val="tx1"/>
+                  </a:solidFill>
+                  <a:effectLst>
+                    <a:outerShdw blurRad="38100" dist="19050" dir="2700000" algn="tl" rotWithShape="0">
+                      <a:schemeClr val="dk1">
+                        <a:alpha val="40000"/>
+                      </a:schemeClr>
+                    </a:outerShdw>
+                  </a:effectLst>
+                </a:rPr>
+                <a:t>간판</a:t>
+              </a:r>
+              <a:r>
+                <a:rPr lang="en-US" altLang="ko-KR" sz="1000" dirty="0">
+                  <a:ln w="0"/>
+                  <a:solidFill>
+                    <a:schemeClr val="tx1"/>
+                  </a:solidFill>
+                  <a:effectLst>
+                    <a:outerShdw blurRad="38100" dist="19050" dir="2700000" algn="tl" rotWithShape="0">
+                      <a:schemeClr val="dk1">
+                        <a:alpha val="40000"/>
+                      </a:schemeClr>
+                    </a:outerShdw>
+                  </a:effectLst>
+                </a:rPr>
+                <a:t>, </a:t>
+              </a:r>
+              <a:r>
+                <a:rPr lang="ko-KR" altLang="en-US" sz="1000" dirty="0">
+                  <a:ln w="0"/>
+                  <a:solidFill>
+                    <a:schemeClr val="tx1"/>
+                  </a:solidFill>
+                  <a:effectLst>
+                    <a:outerShdw blurRad="38100" dist="19050" dir="2700000" algn="tl" rotWithShape="0">
+                      <a:schemeClr val="dk1">
+                        <a:alpha val="40000"/>
+                      </a:schemeClr>
+                    </a:outerShdw>
+                  </a:effectLst>
+                </a:rPr>
+                <a:t>버튼 및 텍스트 영역</a:t>
+              </a:r>
+              <a:endParaRPr lang="ko-KR" altLang="en-US" sz="1000" dirty="0">
+                <a:ln w="0"/>
+                <a:solidFill>
+                  <a:schemeClr val="tx1"/>
+                </a:solidFill>
+                <a:effectLst>
+                  <a:outerShdw blurRad="38100" dist="19050" dir="2700000" algn="tl" rotWithShape="0">
+                    <a:schemeClr val="dk1">
+                      <a:alpha val="40000"/>
+                    </a:schemeClr>
+                  </a:outerShdw>
+                </a:effectLst>
+              </a:endParaRPr>
+            </a:p>
+          </p:txBody>
+        </p:sp>
+        <p:sp>
+          <p:nvSpPr>
+            <p:cNvPr id="51" name="직사각형 50"/>
+            <p:cNvSpPr/>
+            <p:nvPr/>
+          </p:nvSpPr>
+          <p:spPr>
+            <a:xfrm>
+              <a:off x="5607584" y="1602616"/>
+              <a:ext cx="2798499" cy="353291"/>
+            </a:xfrm>
+            <a:prstGeom prst="rect">
+              <a:avLst/>
+            </a:prstGeom>
+            <a:solidFill>
+              <a:schemeClr val="bg1"/>
+            </a:solidFill>
+            <a:ln w="19050">
+              <a:solidFill>
+                <a:schemeClr val="tx1"/>
+              </a:solidFill>
+            </a:ln>
+          </p:spPr>
+          <p:style>
+            <a:lnRef idx="2">
+              <a:schemeClr val="accent1">
+                <a:shade val="50000"/>
+              </a:schemeClr>
+            </a:lnRef>
+            <a:fillRef idx="1">
+              <a:schemeClr val="accent1"/>
+            </a:fillRef>
+            <a:effectRef idx="0">
+              <a:schemeClr val="accent1"/>
+            </a:effectRef>
+            <a:fontRef idx="minor">
+              <a:schemeClr val="lt1"/>
+            </a:fontRef>
+          </p:style>
+          <p:txBody>
+            <a:bodyPr rtlCol="0" anchor="ctr"/>
+            <a:lstStyle/>
+            <a:p>
+              <a:pPr algn="ctr"/>
+              <a:r>
+                <a:rPr lang="ko-KR" altLang="en-US" sz="1000" dirty="0">
+                  <a:ln w="0"/>
+                  <a:solidFill>
+                    <a:schemeClr val="tx1"/>
+                  </a:solidFill>
+                  <a:effectLst>
+                    <a:outerShdw blurRad="38100" dist="19050" dir="2700000" algn="tl" rotWithShape="0">
+                      <a:schemeClr val="dk1">
+                        <a:alpha val="40000"/>
+                      </a:schemeClr>
+                    </a:outerShdw>
+                  </a:effectLst>
+                </a:rPr>
+                <a:t>달력 창 구성 및 </a:t>
+              </a:r>
+              <a:r>
+                <a:rPr lang="ko-KR" altLang="en-US" sz="1000" dirty="0" smtClean="0">
+                  <a:ln w="0"/>
+                  <a:solidFill>
+                    <a:schemeClr val="tx1"/>
+                  </a:solidFill>
+                  <a:effectLst>
+                    <a:outerShdw blurRad="38100" dist="19050" dir="2700000" algn="tl" rotWithShape="0">
+                      <a:schemeClr val="dk1">
+                        <a:alpha val="40000"/>
+                      </a:schemeClr>
+                    </a:outerShdw>
+                  </a:effectLst>
+                </a:rPr>
+                <a:t>날짜 버튼</a:t>
+              </a:r>
+              <a:endParaRPr lang="ko-KR" altLang="en-US" sz="1000" dirty="0">
+                <a:ln w="0"/>
+                <a:solidFill>
+                  <a:schemeClr val="tx1"/>
+                </a:solidFill>
+                <a:effectLst>
+                  <a:outerShdw blurRad="38100" dist="19050" dir="2700000" algn="tl" rotWithShape="0">
+                    <a:schemeClr val="dk1">
+                      <a:alpha val="40000"/>
+                    </a:schemeClr>
+                  </a:outerShdw>
+                </a:effectLst>
+              </a:endParaRPr>
+            </a:p>
+          </p:txBody>
+        </p:sp>
+        <p:sp>
+          <p:nvSpPr>
+            <p:cNvPr id="53" name="직사각형 52"/>
+            <p:cNvSpPr/>
+            <p:nvPr/>
+          </p:nvSpPr>
+          <p:spPr>
+            <a:xfrm>
+              <a:off x="5464993" y="3140295"/>
+              <a:ext cx="1844111" cy="353291"/>
+            </a:xfrm>
+            <a:prstGeom prst="rect">
+              <a:avLst/>
+            </a:prstGeom>
+            <a:solidFill>
+              <a:schemeClr val="bg1"/>
+            </a:solidFill>
+            <a:ln w="19050">
+              <a:solidFill>
+                <a:schemeClr val="tx1"/>
+              </a:solidFill>
+            </a:ln>
+          </p:spPr>
+          <p:style>
+            <a:lnRef idx="2">
+              <a:schemeClr val="accent1">
+                <a:shade val="50000"/>
+              </a:schemeClr>
+            </a:lnRef>
+            <a:fillRef idx="1">
+              <a:schemeClr val="accent1"/>
+            </a:fillRef>
+            <a:effectRef idx="0">
+              <a:schemeClr val="accent1"/>
+            </a:effectRef>
+            <a:fontRef idx="minor">
+              <a:schemeClr val="lt1"/>
+            </a:fontRef>
+          </p:style>
+          <p:txBody>
+            <a:bodyPr rtlCol="0" anchor="ctr"/>
+            <a:lstStyle/>
+            <a:p>
+              <a:pPr algn="ctr"/>
+              <a:r>
+                <a:rPr lang="ko-KR" altLang="en-US" sz="1000" dirty="0" smtClean="0">
+                  <a:ln w="0"/>
+                  <a:solidFill>
+                    <a:schemeClr val="tx1"/>
+                  </a:solidFill>
+                  <a:effectLst>
+                    <a:outerShdw blurRad="38100" dist="19050" dir="2700000" algn="tl" rotWithShape="0">
+                      <a:schemeClr val="dk1">
+                        <a:alpha val="40000"/>
+                      </a:schemeClr>
+                    </a:outerShdw>
+                  </a:effectLst>
+                </a:rPr>
+                <a:t>유저 인터페이스 디자인 작성</a:t>
+              </a:r>
+              <a:endParaRPr lang="ko-KR" altLang="en-US" sz="1000" dirty="0">
+                <a:ln w="0"/>
+                <a:solidFill>
+                  <a:schemeClr val="tx1"/>
+                </a:solidFill>
+                <a:effectLst>
+                  <a:outerShdw blurRad="38100" dist="19050" dir="2700000" algn="tl" rotWithShape="0">
+                    <a:schemeClr val="dk1">
+                      <a:alpha val="40000"/>
+                    </a:schemeClr>
+                  </a:outerShdw>
+                </a:effectLst>
+              </a:endParaRPr>
+            </a:p>
+          </p:txBody>
+        </p:sp>
+        <p:sp>
+          <p:nvSpPr>
+            <p:cNvPr id="85" name="TextBox 84"/>
+            <p:cNvSpPr txBox="1"/>
+            <p:nvPr/>
+          </p:nvSpPr>
+          <p:spPr>
+            <a:xfrm>
+              <a:off x="5266125" y="-1085485"/>
+              <a:ext cx="191719" cy="200055"/>
+            </a:xfrm>
+            <a:prstGeom prst="rect">
+              <a:avLst/>
+            </a:prstGeom>
+            <a:noFill/>
+          </p:spPr>
+          <p:txBody>
+            <a:bodyPr wrap="none" lIns="0" bIns="0" rtlCol="0" anchor="b">
+              <a:spAutoFit/>
+            </a:bodyPr>
+            <a:lstStyle/>
+            <a:p>
+              <a:r>
+                <a:rPr lang="en-US" altLang="ko-KR" sz="1000" dirty="0"/>
+                <a:t>2</a:t>
+              </a:r>
+              <a:r>
+                <a:rPr lang="en-US" altLang="ko-KR" sz="1000" dirty="0" smtClean="0"/>
+                <a:t>.</a:t>
+              </a:r>
+              <a:endParaRPr lang="ko-KR" altLang="en-US" sz="1000" dirty="0"/>
+            </a:p>
+          </p:txBody>
+        </p:sp>
+        <p:sp>
+          <p:nvSpPr>
+            <p:cNvPr id="87" name="TextBox 86"/>
+            <p:cNvSpPr txBox="1"/>
+            <p:nvPr/>
+          </p:nvSpPr>
+          <p:spPr>
+            <a:xfrm>
+              <a:off x="5464993" y="-570891"/>
+              <a:ext cx="262251" cy="200055"/>
+            </a:xfrm>
+            <a:prstGeom prst="rect">
+              <a:avLst/>
+            </a:prstGeom>
+            <a:noFill/>
+          </p:spPr>
+          <p:txBody>
+            <a:bodyPr wrap="none" lIns="0" bIns="0" rtlCol="0" anchor="b">
+              <a:spAutoFit/>
+            </a:bodyPr>
+            <a:lstStyle/>
+            <a:p>
+              <a:r>
+                <a:rPr lang="en-US" altLang="ko-KR" sz="1000" dirty="0" smtClean="0"/>
+                <a:t>2.1</a:t>
+              </a:r>
+              <a:endParaRPr lang="ko-KR" altLang="en-US" sz="1000" dirty="0"/>
+            </a:p>
+          </p:txBody>
+        </p:sp>
+        <p:sp>
+          <p:nvSpPr>
+            <p:cNvPr id="88" name="TextBox 87"/>
+            <p:cNvSpPr txBox="1"/>
+            <p:nvPr/>
+          </p:nvSpPr>
+          <p:spPr>
+            <a:xfrm>
+              <a:off x="5603996" y="-54520"/>
+              <a:ext cx="361637" cy="200055"/>
+            </a:xfrm>
+            <a:prstGeom prst="rect">
+              <a:avLst/>
+            </a:prstGeom>
+            <a:noFill/>
+          </p:spPr>
+          <p:txBody>
+            <a:bodyPr wrap="none" lIns="0" bIns="0" rtlCol="0" anchor="b">
+              <a:spAutoFit/>
+            </a:bodyPr>
+            <a:lstStyle/>
+            <a:p>
+              <a:r>
+                <a:rPr lang="en-US" altLang="ko-KR" sz="1000" dirty="0" smtClean="0"/>
+                <a:t>2.1.1</a:t>
+              </a:r>
+              <a:endParaRPr lang="ko-KR" altLang="en-US" sz="1000" dirty="0"/>
+            </a:p>
+          </p:txBody>
+        </p:sp>
+        <p:sp>
+          <p:nvSpPr>
+            <p:cNvPr id="89" name="TextBox 88"/>
+            <p:cNvSpPr txBox="1"/>
+            <p:nvPr/>
+          </p:nvSpPr>
+          <p:spPr>
+            <a:xfrm>
+              <a:off x="5603996" y="437132"/>
+              <a:ext cx="361637" cy="200055"/>
+            </a:xfrm>
+            <a:prstGeom prst="rect">
+              <a:avLst/>
+            </a:prstGeom>
+            <a:noFill/>
+          </p:spPr>
+          <p:txBody>
+            <a:bodyPr wrap="none" lIns="0" bIns="0" rtlCol="0" anchor="b">
+              <a:spAutoFit/>
+            </a:bodyPr>
+            <a:lstStyle/>
+            <a:p>
+              <a:r>
+                <a:rPr lang="en-US" altLang="ko-KR" sz="1000" dirty="0" smtClean="0"/>
+                <a:t>2.1.2</a:t>
+              </a:r>
+              <a:endParaRPr lang="ko-KR" altLang="en-US" sz="1000" dirty="0"/>
+            </a:p>
+          </p:txBody>
+        </p:sp>
+        <p:sp>
+          <p:nvSpPr>
+            <p:cNvPr id="90" name="TextBox 89"/>
+            <p:cNvSpPr txBox="1"/>
+            <p:nvPr/>
+          </p:nvSpPr>
+          <p:spPr>
+            <a:xfrm>
+              <a:off x="5603996" y="915720"/>
+              <a:ext cx="361637" cy="200055"/>
+            </a:xfrm>
+            <a:prstGeom prst="rect">
+              <a:avLst/>
+            </a:prstGeom>
+            <a:noFill/>
+          </p:spPr>
+          <p:txBody>
+            <a:bodyPr wrap="none" lIns="0" bIns="0" rtlCol="0" anchor="b">
+              <a:spAutoFit/>
+            </a:bodyPr>
+            <a:lstStyle/>
+            <a:p>
+              <a:r>
+                <a:rPr lang="en-US" altLang="ko-KR" sz="1000" dirty="0" smtClean="0"/>
+                <a:t>2.1.3</a:t>
+              </a:r>
+              <a:endParaRPr lang="ko-KR" altLang="en-US" sz="1000" dirty="0"/>
+            </a:p>
+          </p:txBody>
+        </p:sp>
+        <p:sp>
+          <p:nvSpPr>
+            <p:cNvPr id="91" name="TextBox 90"/>
+            <p:cNvSpPr txBox="1"/>
+            <p:nvPr/>
+          </p:nvSpPr>
+          <p:spPr>
+            <a:xfrm>
+              <a:off x="5603996" y="1400795"/>
+              <a:ext cx="361637" cy="200055"/>
+            </a:xfrm>
+            <a:prstGeom prst="rect">
+              <a:avLst/>
+            </a:prstGeom>
+            <a:noFill/>
+          </p:spPr>
+          <p:txBody>
+            <a:bodyPr wrap="none" lIns="0" bIns="0" rtlCol="0" anchor="b">
+              <a:spAutoFit/>
+            </a:bodyPr>
+            <a:lstStyle/>
+            <a:p>
+              <a:r>
+                <a:rPr lang="en-US" altLang="ko-KR" sz="1000" dirty="0" smtClean="0"/>
+                <a:t>2.1.4</a:t>
+              </a:r>
+              <a:endParaRPr lang="ko-KR" altLang="en-US" sz="1000" dirty="0"/>
+            </a:p>
+          </p:txBody>
+        </p:sp>
+        <p:sp>
+          <p:nvSpPr>
+            <p:cNvPr id="94" name="TextBox 93"/>
+            <p:cNvSpPr txBox="1"/>
+            <p:nvPr/>
+          </p:nvSpPr>
+          <p:spPr>
+            <a:xfrm>
+              <a:off x="5464993" y="2937426"/>
+              <a:ext cx="262251" cy="200055"/>
+            </a:xfrm>
+            <a:prstGeom prst="rect">
+              <a:avLst/>
+            </a:prstGeom>
+            <a:noFill/>
+          </p:spPr>
+          <p:txBody>
+            <a:bodyPr wrap="none" lIns="0" bIns="0" rtlCol="0" anchor="b">
+              <a:spAutoFit/>
+            </a:bodyPr>
+            <a:lstStyle/>
+            <a:p>
+              <a:r>
+                <a:rPr lang="en-US" altLang="ko-KR" sz="1000" dirty="0" smtClean="0"/>
+                <a:t>2.2</a:t>
+              </a:r>
+              <a:endParaRPr lang="ko-KR" altLang="en-US" sz="1000" dirty="0"/>
+            </a:p>
+          </p:txBody>
+        </p:sp>
+        <p:cxnSp>
+          <p:nvCxnSpPr>
+            <p:cNvPr id="268" name="직선 연결선 267"/>
+            <p:cNvCxnSpPr>
+              <a:stCxn id="48" idx="1"/>
+            </p:cNvCxnSpPr>
+            <p:nvPr/>
+          </p:nvCxnSpPr>
+          <p:spPr>
+            <a:xfrm flipH="1">
+              <a:off x="5532714" y="312800"/>
+              <a:ext cx="74870" cy="0"/>
+            </a:xfrm>
+            <a:prstGeom prst="line">
+              <a:avLst/>
+            </a:prstGeom>
+            <a:ln w="19050">
+              <a:solidFill>
+                <a:schemeClr val="tx1"/>
+              </a:solidFill>
+            </a:ln>
+          </p:spPr>
+          <p:style>
+            <a:lnRef idx="1">
+              <a:schemeClr val="accent1"/>
+            </a:lnRef>
+            <a:fillRef idx="0">
+              <a:schemeClr val="accent1"/>
+            </a:fillRef>
+            <a:effectRef idx="0">
+              <a:schemeClr val="accent1"/>
+            </a:effectRef>
+            <a:fontRef idx="minor">
+              <a:schemeClr val="tx1"/>
+            </a:fontRef>
+          </p:style>
+        </p:cxnSp>
+        <p:cxnSp>
+          <p:nvCxnSpPr>
+            <p:cNvPr id="273" name="직선 연결선 272"/>
+            <p:cNvCxnSpPr>
+              <a:stCxn id="49" idx="1"/>
+            </p:cNvCxnSpPr>
+            <p:nvPr/>
+          </p:nvCxnSpPr>
+          <p:spPr>
+            <a:xfrm flipH="1">
+              <a:off x="5532714" y="801621"/>
+              <a:ext cx="74870" cy="0"/>
+            </a:xfrm>
+            <a:prstGeom prst="line">
+              <a:avLst/>
+            </a:prstGeom>
+            <a:ln w="19050">
+              <a:solidFill>
+                <a:schemeClr val="tx1"/>
+              </a:solidFill>
+            </a:ln>
+          </p:spPr>
+          <p:style>
+            <a:lnRef idx="1">
+              <a:schemeClr val="accent1"/>
+            </a:lnRef>
+            <a:fillRef idx="0">
+              <a:schemeClr val="accent1"/>
+            </a:fillRef>
+            <a:effectRef idx="0">
+              <a:schemeClr val="accent1"/>
+            </a:effectRef>
+            <a:fontRef idx="minor">
+              <a:schemeClr val="tx1"/>
+            </a:fontRef>
+          </p:style>
+        </p:cxnSp>
+        <p:cxnSp>
+          <p:nvCxnSpPr>
+            <p:cNvPr id="274" name="직선 연결선 273"/>
+            <p:cNvCxnSpPr>
+              <a:stCxn id="50" idx="1"/>
+            </p:cNvCxnSpPr>
+            <p:nvPr/>
+          </p:nvCxnSpPr>
+          <p:spPr>
+            <a:xfrm flipH="1">
+              <a:off x="5532714" y="1290442"/>
+              <a:ext cx="74870" cy="0"/>
+            </a:xfrm>
+            <a:prstGeom prst="line">
+              <a:avLst/>
+            </a:prstGeom>
+            <a:ln w="19050">
+              <a:solidFill>
+                <a:schemeClr val="tx1"/>
+              </a:solidFill>
+            </a:ln>
+          </p:spPr>
+          <p:style>
+            <a:lnRef idx="1">
+              <a:schemeClr val="accent1"/>
+            </a:lnRef>
+            <a:fillRef idx="0">
+              <a:schemeClr val="accent1"/>
+            </a:fillRef>
+            <a:effectRef idx="0">
+              <a:schemeClr val="accent1"/>
+            </a:effectRef>
+            <a:fontRef idx="minor">
+              <a:schemeClr val="tx1"/>
+            </a:fontRef>
+          </p:style>
+        </p:cxnSp>
+        <p:cxnSp>
+          <p:nvCxnSpPr>
+            <p:cNvPr id="280" name="직선 연결선 279"/>
+            <p:cNvCxnSpPr>
+              <a:stCxn id="47" idx="1"/>
+            </p:cNvCxnSpPr>
+            <p:nvPr/>
+          </p:nvCxnSpPr>
+          <p:spPr>
+            <a:xfrm flipH="1">
+              <a:off x="5341620" y="-194190"/>
+              <a:ext cx="116224" cy="0"/>
+            </a:xfrm>
+            <a:prstGeom prst="line">
+              <a:avLst/>
+            </a:prstGeom>
+            <a:ln w="19050">
+              <a:solidFill>
+                <a:schemeClr val="tx1"/>
+              </a:solidFill>
+            </a:ln>
+          </p:spPr>
+          <p:style>
+            <a:lnRef idx="1">
+              <a:schemeClr val="accent1"/>
+            </a:lnRef>
+            <a:fillRef idx="0">
+              <a:schemeClr val="accent1"/>
+            </a:fillRef>
+            <a:effectRef idx="0">
+              <a:schemeClr val="accent1"/>
+            </a:effectRef>
+            <a:fontRef idx="minor">
+              <a:schemeClr val="tx1"/>
+            </a:fontRef>
+          </p:style>
+        </p:cxnSp>
+        <p:sp>
+          <p:nvSpPr>
+            <p:cNvPr id="137" name="직사각형 136"/>
+            <p:cNvSpPr/>
+            <p:nvPr/>
+          </p:nvSpPr>
+          <p:spPr>
+            <a:xfrm>
+              <a:off x="5607584" y="2118710"/>
+              <a:ext cx="2798499" cy="353291"/>
+            </a:xfrm>
+            <a:prstGeom prst="rect">
+              <a:avLst/>
+            </a:prstGeom>
+            <a:solidFill>
+              <a:schemeClr val="bg1"/>
+            </a:solidFill>
+            <a:ln w="19050">
+              <a:solidFill>
+                <a:schemeClr val="tx1"/>
+              </a:solidFill>
+            </a:ln>
+          </p:spPr>
+          <p:style>
+            <a:lnRef idx="2">
+              <a:schemeClr val="accent1">
+                <a:shade val="50000"/>
+              </a:schemeClr>
+            </a:lnRef>
+            <a:fillRef idx="1">
+              <a:schemeClr val="accent1"/>
+            </a:fillRef>
+            <a:effectRef idx="0">
+              <a:schemeClr val="accent1"/>
+            </a:effectRef>
+            <a:fontRef idx="minor">
+              <a:schemeClr val="lt1"/>
+            </a:fontRef>
+          </p:style>
+          <p:txBody>
+            <a:bodyPr rtlCol="0" anchor="ctr"/>
+            <a:lstStyle/>
+            <a:p>
+              <a:pPr algn="ctr"/>
+              <a:r>
+                <a:rPr lang="ko-KR" altLang="en-US" sz="1000" dirty="0">
+                  <a:ln w="0"/>
+                  <a:solidFill>
+                    <a:schemeClr val="tx1"/>
+                  </a:solidFill>
+                  <a:effectLst>
+                    <a:outerShdw blurRad="38100" dist="19050" dir="2700000" algn="tl" rotWithShape="0">
+                      <a:schemeClr val="dk1">
+                        <a:alpha val="40000"/>
+                      </a:schemeClr>
+                    </a:outerShdw>
+                  </a:effectLst>
+                </a:rPr>
+                <a:t>정렬 우선순위 선택 버튼 및 실행 버튼</a:t>
+              </a:r>
+              <a:endParaRPr lang="ko-KR" altLang="en-US" sz="1000" dirty="0">
+                <a:ln w="0"/>
+                <a:solidFill>
+                  <a:schemeClr val="tx1"/>
+                </a:solidFill>
+                <a:effectLst>
+                  <a:outerShdw blurRad="38100" dist="19050" dir="2700000" algn="tl" rotWithShape="0">
+                    <a:schemeClr val="dk1">
+                      <a:alpha val="40000"/>
+                    </a:schemeClr>
+                  </a:outerShdw>
+                </a:effectLst>
+              </a:endParaRPr>
+            </a:p>
+          </p:txBody>
+        </p:sp>
+        <p:sp>
+          <p:nvSpPr>
+            <p:cNvPr id="138" name="TextBox 137"/>
+            <p:cNvSpPr txBox="1"/>
+            <p:nvPr/>
+          </p:nvSpPr>
+          <p:spPr>
+            <a:xfrm>
+              <a:off x="5603996" y="1920634"/>
+              <a:ext cx="361637" cy="200055"/>
+            </a:xfrm>
+            <a:prstGeom prst="rect">
+              <a:avLst/>
+            </a:prstGeom>
+            <a:noFill/>
+          </p:spPr>
+          <p:txBody>
+            <a:bodyPr wrap="none" lIns="0" bIns="0" rtlCol="0" anchor="b">
+              <a:spAutoFit/>
+            </a:bodyPr>
+            <a:lstStyle/>
+            <a:p>
+              <a:r>
+                <a:rPr lang="en-US" altLang="ko-KR" sz="1000" dirty="0" smtClean="0"/>
+                <a:t>2.1.5</a:t>
+              </a:r>
+              <a:endParaRPr lang="ko-KR" altLang="en-US" sz="1000" dirty="0"/>
+            </a:p>
+          </p:txBody>
+        </p:sp>
+        <p:cxnSp>
+          <p:nvCxnSpPr>
+            <p:cNvPr id="139" name="직선 연결선 138"/>
+            <p:cNvCxnSpPr>
+              <a:stCxn id="137" idx="1"/>
+            </p:cNvCxnSpPr>
+            <p:nvPr/>
+          </p:nvCxnSpPr>
+          <p:spPr>
+            <a:xfrm flipH="1">
+              <a:off x="5532714" y="2295356"/>
+              <a:ext cx="74870" cy="0"/>
+            </a:xfrm>
+            <a:prstGeom prst="line">
+              <a:avLst/>
+            </a:prstGeom>
+            <a:ln w="19050">
+              <a:solidFill>
+                <a:schemeClr val="tx1"/>
+              </a:solidFill>
+            </a:ln>
+          </p:spPr>
+          <p:style>
+            <a:lnRef idx="1">
+              <a:schemeClr val="accent1"/>
+            </a:lnRef>
+            <a:fillRef idx="0">
+              <a:schemeClr val="accent1"/>
+            </a:fillRef>
+            <a:effectRef idx="0">
+              <a:schemeClr val="accent1"/>
+            </a:effectRef>
+            <a:fontRef idx="minor">
+              <a:schemeClr val="tx1"/>
+            </a:fontRef>
+          </p:style>
+        </p:cxnSp>
+        <p:sp>
+          <p:nvSpPr>
+            <p:cNvPr id="140" name="직사각형 139"/>
+            <p:cNvSpPr/>
+            <p:nvPr/>
+          </p:nvSpPr>
+          <p:spPr>
+            <a:xfrm>
+              <a:off x="5607584" y="2624199"/>
+              <a:ext cx="2798499" cy="353291"/>
+            </a:xfrm>
+            <a:prstGeom prst="rect">
+              <a:avLst/>
+            </a:prstGeom>
+            <a:solidFill>
+              <a:schemeClr val="bg1"/>
+            </a:solidFill>
+            <a:ln w="19050">
+              <a:solidFill>
+                <a:schemeClr val="tx1"/>
+              </a:solidFill>
+            </a:ln>
+          </p:spPr>
+          <p:style>
+            <a:lnRef idx="2">
+              <a:schemeClr val="accent1">
+                <a:shade val="50000"/>
+              </a:schemeClr>
+            </a:lnRef>
+            <a:fillRef idx="1">
+              <a:schemeClr val="accent1"/>
+            </a:fillRef>
+            <a:effectRef idx="0">
+              <a:schemeClr val="accent1"/>
+            </a:effectRef>
+            <a:fontRef idx="minor">
+              <a:schemeClr val="lt1"/>
+            </a:fontRef>
+          </p:style>
+          <p:txBody>
+            <a:bodyPr rtlCol="0" anchor="ctr"/>
+            <a:lstStyle/>
+            <a:p>
+              <a:pPr algn="ctr"/>
+              <a:r>
+                <a:rPr lang="ko-KR" altLang="en-US" sz="1000" dirty="0">
+                  <a:ln w="0"/>
+                  <a:solidFill>
+                    <a:schemeClr val="tx1"/>
+                  </a:solidFill>
+                  <a:effectLst>
+                    <a:outerShdw blurRad="38100" dist="19050" dir="2700000" algn="tl" rotWithShape="0">
+                      <a:schemeClr val="dk1">
+                        <a:alpha val="40000"/>
+                      </a:schemeClr>
+                    </a:outerShdw>
+                  </a:effectLst>
+                </a:rPr>
+                <a:t>검색 버튼 및  텍스트 영역</a:t>
+              </a:r>
+              <a:endParaRPr lang="ko-KR" altLang="en-US" sz="1000" dirty="0">
+                <a:ln w="0"/>
+                <a:solidFill>
+                  <a:schemeClr val="tx1"/>
+                </a:solidFill>
+                <a:effectLst>
+                  <a:outerShdw blurRad="38100" dist="19050" dir="2700000" algn="tl" rotWithShape="0">
+                    <a:schemeClr val="dk1">
+                      <a:alpha val="40000"/>
+                    </a:schemeClr>
+                  </a:outerShdw>
+                </a:effectLst>
+              </a:endParaRPr>
+            </a:p>
+          </p:txBody>
+        </p:sp>
+        <p:sp>
+          <p:nvSpPr>
+            <p:cNvPr id="141" name="TextBox 140"/>
+            <p:cNvSpPr txBox="1"/>
+            <p:nvPr/>
+          </p:nvSpPr>
+          <p:spPr>
+            <a:xfrm>
+              <a:off x="5603996" y="2426123"/>
+              <a:ext cx="361637" cy="200055"/>
+            </a:xfrm>
+            <a:prstGeom prst="rect">
+              <a:avLst/>
+            </a:prstGeom>
+            <a:noFill/>
+          </p:spPr>
+          <p:txBody>
+            <a:bodyPr wrap="none" lIns="0" bIns="0" rtlCol="0" anchor="b">
+              <a:spAutoFit/>
+            </a:bodyPr>
+            <a:lstStyle/>
+            <a:p>
+              <a:r>
+                <a:rPr lang="en-US" altLang="ko-KR" sz="1000" dirty="0" smtClean="0"/>
+                <a:t>2.1.6</a:t>
+              </a:r>
+              <a:endParaRPr lang="ko-KR" altLang="en-US" sz="1000" dirty="0"/>
+            </a:p>
+          </p:txBody>
+        </p:sp>
+        <p:cxnSp>
+          <p:nvCxnSpPr>
+            <p:cNvPr id="143" name="직선 연결선 142"/>
+            <p:cNvCxnSpPr>
+              <a:stCxn id="51" idx="1"/>
+            </p:cNvCxnSpPr>
+            <p:nvPr/>
+          </p:nvCxnSpPr>
+          <p:spPr>
+            <a:xfrm>
+              <a:off x="5607584" y="1779262"/>
+              <a:ext cx="0" cy="0"/>
+            </a:xfrm>
+            <a:prstGeom prst="line">
+              <a:avLst/>
+            </a:prstGeom>
+            <a:ln w="19050">
+              <a:solidFill>
+                <a:schemeClr val="tx1"/>
+              </a:solidFill>
+            </a:ln>
+          </p:spPr>
+          <p:style>
+            <a:lnRef idx="1">
+              <a:schemeClr val="accent1"/>
+            </a:lnRef>
+            <a:fillRef idx="0">
+              <a:schemeClr val="accent1"/>
+            </a:fillRef>
+            <a:effectRef idx="0">
+              <a:schemeClr val="accent1"/>
+            </a:effectRef>
+            <a:fontRef idx="minor">
+              <a:schemeClr val="tx1"/>
+            </a:fontRef>
+          </p:style>
+        </p:cxnSp>
+        <p:cxnSp>
+          <p:nvCxnSpPr>
+            <p:cNvPr id="149" name="직선 연결선 148"/>
+            <p:cNvCxnSpPr>
+              <a:stCxn id="51" idx="1"/>
+            </p:cNvCxnSpPr>
+            <p:nvPr/>
+          </p:nvCxnSpPr>
+          <p:spPr>
+            <a:xfrm flipH="1">
+              <a:off x="5532714" y="1779262"/>
+              <a:ext cx="74870" cy="0"/>
+            </a:xfrm>
+            <a:prstGeom prst="line">
+              <a:avLst/>
+            </a:prstGeom>
+            <a:ln w="19050">
+              <a:solidFill>
+                <a:schemeClr val="tx1"/>
+              </a:solidFill>
+            </a:ln>
+          </p:spPr>
+          <p:style>
+            <a:lnRef idx="1">
+              <a:schemeClr val="accent1"/>
+            </a:lnRef>
+            <a:fillRef idx="0">
+              <a:schemeClr val="accent1"/>
+            </a:fillRef>
+            <a:effectRef idx="0">
+              <a:schemeClr val="accent1"/>
+            </a:effectRef>
+            <a:fontRef idx="minor">
+              <a:schemeClr val="tx1"/>
+            </a:fontRef>
+          </p:style>
+        </p:cxnSp>
+        <p:sp>
+          <p:nvSpPr>
+            <p:cNvPr id="155" name="직사각형 154"/>
+            <p:cNvSpPr/>
+            <p:nvPr/>
+          </p:nvSpPr>
+          <p:spPr>
+            <a:xfrm>
+              <a:off x="5607585" y="3638772"/>
+              <a:ext cx="1372336" cy="353291"/>
+            </a:xfrm>
+            <a:prstGeom prst="rect">
+              <a:avLst/>
+            </a:prstGeom>
+            <a:solidFill>
+              <a:schemeClr val="bg1"/>
+            </a:solidFill>
+            <a:ln w="19050">
+              <a:solidFill>
+                <a:schemeClr val="tx1"/>
+              </a:solidFill>
+            </a:ln>
+          </p:spPr>
+          <p:style>
+            <a:lnRef idx="2">
+              <a:schemeClr val="accent1">
+                <a:shade val="50000"/>
+              </a:schemeClr>
+            </a:lnRef>
+            <a:fillRef idx="1">
+              <a:schemeClr val="accent1"/>
+            </a:fillRef>
+            <a:effectRef idx="0">
+              <a:schemeClr val="accent1"/>
+            </a:effectRef>
+            <a:fontRef idx="minor">
+              <a:schemeClr val="lt1"/>
+            </a:fontRef>
+          </p:style>
+          <p:txBody>
+            <a:bodyPr rtlCol="0" anchor="ctr"/>
+            <a:lstStyle/>
+            <a:p>
+              <a:pPr algn="ctr"/>
+              <a:r>
+                <a:rPr lang="en-US" altLang="ko-KR" sz="1000" dirty="0">
+                  <a:ln w="0"/>
+                  <a:solidFill>
+                    <a:schemeClr val="tx1"/>
+                  </a:solidFill>
+                  <a:effectLst>
+                    <a:outerShdw blurRad="38100" dist="19050" dir="2700000" algn="tl" rotWithShape="0">
+                      <a:schemeClr val="dk1">
+                        <a:alpha val="40000"/>
+                      </a:schemeClr>
+                    </a:outerShdw>
+                  </a:effectLst>
+                </a:rPr>
+                <a:t>System map</a:t>
+              </a:r>
+              <a:endParaRPr lang="ko-KR" altLang="en-US" sz="1000" dirty="0">
+                <a:ln w="0"/>
+                <a:solidFill>
+                  <a:schemeClr val="tx1"/>
+                </a:solidFill>
+                <a:effectLst>
+                  <a:outerShdw blurRad="38100" dist="19050" dir="2700000" algn="tl" rotWithShape="0">
+                    <a:schemeClr val="dk1">
+                      <a:alpha val="40000"/>
+                    </a:schemeClr>
+                  </a:outerShdw>
+                </a:effectLst>
+              </a:endParaRPr>
+            </a:p>
+          </p:txBody>
+        </p:sp>
+        <p:sp>
+          <p:nvSpPr>
+            <p:cNvPr id="156" name="직사각형 155"/>
+            <p:cNvSpPr/>
+            <p:nvPr/>
+          </p:nvSpPr>
+          <p:spPr>
+            <a:xfrm>
+              <a:off x="5607585" y="4127593"/>
+              <a:ext cx="1372336" cy="353291"/>
+            </a:xfrm>
+            <a:prstGeom prst="rect">
+              <a:avLst/>
+            </a:prstGeom>
+            <a:solidFill>
+              <a:schemeClr val="bg1"/>
+            </a:solidFill>
+            <a:ln w="19050">
+              <a:solidFill>
+                <a:schemeClr val="tx1"/>
+              </a:solidFill>
+            </a:ln>
+          </p:spPr>
+          <p:style>
+            <a:lnRef idx="2">
+              <a:schemeClr val="accent1">
+                <a:shade val="50000"/>
+              </a:schemeClr>
+            </a:lnRef>
+            <a:fillRef idx="1">
+              <a:schemeClr val="accent1"/>
+            </a:fillRef>
+            <a:effectRef idx="0">
+              <a:schemeClr val="accent1"/>
+            </a:effectRef>
+            <a:fontRef idx="minor">
+              <a:schemeClr val="lt1"/>
+            </a:fontRef>
+          </p:style>
+          <p:txBody>
+            <a:bodyPr rtlCol="0" anchor="ctr"/>
+            <a:lstStyle/>
+            <a:p>
+              <a:pPr algn="ctr"/>
+              <a:r>
+                <a:rPr lang="en-US" altLang="ko-KR" sz="1000" dirty="0">
+                  <a:ln w="0"/>
+                  <a:solidFill>
+                    <a:schemeClr val="tx1"/>
+                  </a:solidFill>
+                  <a:effectLst>
+                    <a:outerShdw blurRad="38100" dist="19050" dir="2700000" algn="tl" rotWithShape="0">
+                      <a:schemeClr val="dk1">
+                        <a:alpha val="40000"/>
+                      </a:schemeClr>
+                    </a:outerShdw>
+                  </a:effectLst>
+                </a:rPr>
+                <a:t>System Process </a:t>
+              </a:r>
+              <a:r>
+                <a:rPr lang="ko-KR" altLang="en-US" sz="1000" dirty="0">
+                  <a:ln w="0"/>
+                  <a:solidFill>
+                    <a:schemeClr val="tx1"/>
+                  </a:solidFill>
+                  <a:effectLst>
+                    <a:outerShdw blurRad="38100" dist="19050" dir="2700000" algn="tl" rotWithShape="0">
+                      <a:schemeClr val="dk1">
+                        <a:alpha val="40000"/>
+                      </a:schemeClr>
+                    </a:outerShdw>
+                  </a:effectLst>
+                </a:rPr>
+                <a:t>정의</a:t>
+              </a:r>
+              <a:endParaRPr lang="ko-KR" altLang="en-US" sz="1000" dirty="0">
+                <a:ln w="0"/>
+                <a:solidFill>
+                  <a:schemeClr val="tx1"/>
+                </a:solidFill>
+                <a:effectLst>
+                  <a:outerShdw blurRad="38100" dist="19050" dir="2700000" algn="tl" rotWithShape="0">
+                    <a:schemeClr val="dk1">
+                      <a:alpha val="40000"/>
+                    </a:schemeClr>
+                  </a:outerShdw>
+                </a:effectLst>
+              </a:endParaRPr>
+            </a:p>
+          </p:txBody>
+        </p:sp>
+        <p:sp>
+          <p:nvSpPr>
+            <p:cNvPr id="157" name="직사각형 156"/>
+            <p:cNvSpPr/>
+            <p:nvPr/>
+          </p:nvSpPr>
+          <p:spPr>
+            <a:xfrm>
+              <a:off x="5607585" y="4616414"/>
+              <a:ext cx="1372336" cy="353291"/>
+            </a:xfrm>
+            <a:prstGeom prst="rect">
+              <a:avLst/>
+            </a:prstGeom>
+            <a:solidFill>
+              <a:schemeClr val="bg1"/>
+            </a:solidFill>
+            <a:ln w="19050">
+              <a:solidFill>
+                <a:schemeClr val="tx1"/>
+              </a:solidFill>
+            </a:ln>
+          </p:spPr>
+          <p:style>
+            <a:lnRef idx="2">
+              <a:schemeClr val="accent1">
+                <a:shade val="50000"/>
+              </a:schemeClr>
+            </a:lnRef>
+            <a:fillRef idx="1">
+              <a:schemeClr val="accent1"/>
+            </a:fillRef>
+            <a:effectRef idx="0">
+              <a:schemeClr val="accent1"/>
+            </a:effectRef>
+            <a:fontRef idx="minor">
+              <a:schemeClr val="lt1"/>
+            </a:fontRef>
+          </p:style>
+          <p:txBody>
+            <a:bodyPr rtlCol="0" anchor="ctr"/>
+            <a:lstStyle/>
+            <a:p>
+              <a:pPr algn="ctr"/>
+              <a:r>
+                <a:rPr lang="en-US" altLang="ko-KR" sz="1000" dirty="0">
+                  <a:ln w="0"/>
+                  <a:solidFill>
+                    <a:schemeClr val="tx1"/>
+                  </a:solidFill>
+                  <a:effectLst>
+                    <a:outerShdw blurRad="38100" dist="19050" dir="2700000" algn="tl" rotWithShape="0">
+                      <a:schemeClr val="dk1">
+                        <a:alpha val="40000"/>
+                      </a:schemeClr>
+                    </a:outerShdw>
+                  </a:effectLst>
+                </a:rPr>
+                <a:t>To do list </a:t>
+              </a:r>
+              <a:r>
+                <a:rPr lang="ko-KR" altLang="en-US" sz="1000" dirty="0">
+                  <a:ln w="0"/>
+                  <a:solidFill>
+                    <a:schemeClr val="tx1"/>
+                  </a:solidFill>
+                  <a:effectLst>
+                    <a:outerShdw blurRad="38100" dist="19050" dir="2700000" algn="tl" rotWithShape="0">
+                      <a:schemeClr val="dk1">
+                        <a:alpha val="40000"/>
+                      </a:schemeClr>
+                    </a:outerShdw>
+                  </a:effectLst>
+                </a:rPr>
+                <a:t>로그인 창</a:t>
+              </a:r>
+              <a:endParaRPr lang="ko-KR" altLang="en-US" sz="1000" dirty="0">
+                <a:ln w="0"/>
+                <a:solidFill>
+                  <a:schemeClr val="tx1"/>
+                </a:solidFill>
+                <a:effectLst>
+                  <a:outerShdw blurRad="38100" dist="19050" dir="2700000" algn="tl" rotWithShape="0">
+                    <a:schemeClr val="dk1">
+                      <a:alpha val="40000"/>
+                    </a:schemeClr>
+                  </a:outerShdw>
+                </a:effectLst>
+              </a:endParaRPr>
+            </a:p>
+          </p:txBody>
+        </p:sp>
+        <p:sp>
+          <p:nvSpPr>
+            <p:cNvPr id="159" name="직사각형 158"/>
+            <p:cNvSpPr/>
+            <p:nvPr/>
+          </p:nvSpPr>
+          <p:spPr>
+            <a:xfrm>
+              <a:off x="5607585" y="5105234"/>
+              <a:ext cx="1372336" cy="353291"/>
+            </a:xfrm>
+            <a:prstGeom prst="rect">
+              <a:avLst/>
+            </a:prstGeom>
+            <a:solidFill>
+              <a:schemeClr val="bg1"/>
+            </a:solidFill>
+            <a:ln w="19050">
+              <a:solidFill>
+                <a:schemeClr val="tx1"/>
+              </a:solidFill>
+            </a:ln>
+          </p:spPr>
+          <p:style>
+            <a:lnRef idx="2">
+              <a:schemeClr val="accent1">
+                <a:shade val="50000"/>
+              </a:schemeClr>
+            </a:lnRef>
+            <a:fillRef idx="1">
+              <a:schemeClr val="accent1"/>
+            </a:fillRef>
+            <a:effectRef idx="0">
+              <a:schemeClr val="accent1"/>
+            </a:effectRef>
+            <a:fontRef idx="minor">
+              <a:schemeClr val="lt1"/>
+            </a:fontRef>
+          </p:style>
+          <p:txBody>
+            <a:bodyPr rtlCol="0" anchor="ctr"/>
+            <a:lstStyle/>
+            <a:p>
+              <a:pPr algn="ctr"/>
+              <a:r>
+                <a:rPr lang="ko-KR" altLang="en-US" sz="1000" dirty="0">
+                  <a:ln w="0"/>
+                  <a:solidFill>
+                    <a:schemeClr val="tx1"/>
+                  </a:solidFill>
+                  <a:effectLst>
+                    <a:outerShdw blurRad="38100" dist="19050" dir="2700000" algn="tl" rotWithShape="0">
+                      <a:schemeClr val="dk1">
+                        <a:alpha val="40000"/>
+                      </a:schemeClr>
+                    </a:outerShdw>
+                  </a:effectLst>
+                </a:rPr>
+                <a:t>계정 등록 창</a:t>
+              </a:r>
+              <a:endParaRPr lang="ko-KR" altLang="en-US" sz="1000" dirty="0">
+                <a:ln w="0"/>
+                <a:solidFill>
+                  <a:schemeClr val="tx1"/>
+                </a:solidFill>
+                <a:effectLst>
+                  <a:outerShdw blurRad="38100" dist="19050" dir="2700000" algn="tl" rotWithShape="0">
+                    <a:schemeClr val="dk1">
+                      <a:alpha val="40000"/>
+                    </a:schemeClr>
+                  </a:outerShdw>
+                </a:effectLst>
+              </a:endParaRPr>
+            </a:p>
+          </p:txBody>
+        </p:sp>
+        <p:sp>
+          <p:nvSpPr>
+            <p:cNvPr id="160" name="TextBox 159"/>
+            <p:cNvSpPr txBox="1"/>
+            <p:nvPr/>
+          </p:nvSpPr>
+          <p:spPr>
+            <a:xfrm>
+              <a:off x="5603996" y="3448098"/>
+              <a:ext cx="361637" cy="200055"/>
+            </a:xfrm>
+            <a:prstGeom prst="rect">
+              <a:avLst/>
+            </a:prstGeom>
+            <a:noFill/>
+          </p:spPr>
+          <p:txBody>
+            <a:bodyPr wrap="none" lIns="0" bIns="0" rtlCol="0" anchor="b">
+              <a:spAutoFit/>
+            </a:bodyPr>
+            <a:lstStyle/>
+            <a:p>
+              <a:r>
+                <a:rPr lang="en-US" altLang="ko-KR" sz="1000" dirty="0" smtClean="0"/>
+                <a:t>2.2.1</a:t>
+              </a:r>
+              <a:endParaRPr lang="ko-KR" altLang="en-US" sz="1000" dirty="0"/>
+            </a:p>
+          </p:txBody>
+        </p:sp>
+        <p:sp>
+          <p:nvSpPr>
+            <p:cNvPr id="161" name="TextBox 160"/>
+            <p:cNvSpPr txBox="1"/>
+            <p:nvPr/>
+          </p:nvSpPr>
+          <p:spPr>
+            <a:xfrm>
+              <a:off x="5603996" y="3939750"/>
+              <a:ext cx="361637" cy="200055"/>
+            </a:xfrm>
+            <a:prstGeom prst="rect">
+              <a:avLst/>
+            </a:prstGeom>
+            <a:noFill/>
+          </p:spPr>
+          <p:txBody>
+            <a:bodyPr wrap="none" lIns="0" bIns="0" rtlCol="0" anchor="b">
+              <a:spAutoFit/>
+            </a:bodyPr>
+            <a:lstStyle/>
+            <a:p>
+              <a:r>
+                <a:rPr lang="en-US" altLang="ko-KR" sz="1000" dirty="0" smtClean="0"/>
+                <a:t>2.2.2</a:t>
+              </a:r>
+              <a:endParaRPr lang="ko-KR" altLang="en-US" sz="1000" dirty="0"/>
+            </a:p>
+          </p:txBody>
+        </p:sp>
+        <p:sp>
+          <p:nvSpPr>
+            <p:cNvPr id="163" name="TextBox 162"/>
+            <p:cNvSpPr txBox="1"/>
+            <p:nvPr/>
+          </p:nvSpPr>
+          <p:spPr>
+            <a:xfrm>
+              <a:off x="5603996" y="4418338"/>
+              <a:ext cx="361637" cy="200055"/>
+            </a:xfrm>
+            <a:prstGeom prst="rect">
+              <a:avLst/>
+            </a:prstGeom>
+            <a:noFill/>
+          </p:spPr>
+          <p:txBody>
+            <a:bodyPr wrap="none" lIns="0" bIns="0" rtlCol="0" anchor="b">
+              <a:spAutoFit/>
+            </a:bodyPr>
+            <a:lstStyle/>
+            <a:p>
+              <a:r>
+                <a:rPr lang="en-US" altLang="ko-KR" sz="1000" dirty="0" smtClean="0"/>
+                <a:t>2.2.3</a:t>
+              </a:r>
+              <a:endParaRPr lang="ko-KR" altLang="en-US" sz="1000" dirty="0"/>
+            </a:p>
+          </p:txBody>
+        </p:sp>
+        <p:sp>
+          <p:nvSpPr>
+            <p:cNvPr id="164" name="TextBox 163"/>
+            <p:cNvSpPr txBox="1"/>
+            <p:nvPr/>
+          </p:nvSpPr>
+          <p:spPr>
+            <a:xfrm>
+              <a:off x="5603996" y="4903413"/>
+              <a:ext cx="361637" cy="200055"/>
+            </a:xfrm>
+            <a:prstGeom prst="rect">
+              <a:avLst/>
+            </a:prstGeom>
+            <a:noFill/>
+          </p:spPr>
+          <p:txBody>
+            <a:bodyPr wrap="none" lIns="0" bIns="0" rtlCol="0" anchor="b">
+              <a:spAutoFit/>
+            </a:bodyPr>
+            <a:lstStyle/>
+            <a:p>
+              <a:r>
+                <a:rPr lang="en-US" altLang="ko-KR" sz="1000" dirty="0" smtClean="0"/>
+                <a:t>2.2.4</a:t>
+              </a:r>
+              <a:endParaRPr lang="ko-KR" altLang="en-US" sz="1000" dirty="0"/>
+            </a:p>
+          </p:txBody>
+        </p:sp>
+        <p:cxnSp>
+          <p:nvCxnSpPr>
+            <p:cNvPr id="167" name="직선 연결선 166"/>
+            <p:cNvCxnSpPr>
+              <a:stCxn id="155" idx="1"/>
+            </p:cNvCxnSpPr>
+            <p:nvPr/>
+          </p:nvCxnSpPr>
+          <p:spPr>
+            <a:xfrm flipH="1">
+              <a:off x="5532715" y="3815418"/>
+              <a:ext cx="74870" cy="0"/>
+            </a:xfrm>
+            <a:prstGeom prst="line">
+              <a:avLst/>
+            </a:prstGeom>
+            <a:ln w="19050">
+              <a:solidFill>
+                <a:schemeClr val="tx1"/>
+              </a:solidFill>
+            </a:ln>
+          </p:spPr>
+          <p:style>
+            <a:lnRef idx="1">
+              <a:schemeClr val="accent1"/>
+            </a:lnRef>
+            <a:fillRef idx="0">
+              <a:schemeClr val="accent1"/>
+            </a:fillRef>
+            <a:effectRef idx="0">
+              <a:schemeClr val="accent1"/>
+            </a:effectRef>
+            <a:fontRef idx="minor">
+              <a:schemeClr val="tx1"/>
+            </a:fontRef>
+          </p:style>
+        </p:cxnSp>
+        <p:cxnSp>
+          <p:nvCxnSpPr>
+            <p:cNvPr id="168" name="직선 연결선 167"/>
+            <p:cNvCxnSpPr>
+              <a:stCxn id="156" idx="1"/>
+            </p:cNvCxnSpPr>
+            <p:nvPr/>
+          </p:nvCxnSpPr>
+          <p:spPr>
+            <a:xfrm flipH="1">
+              <a:off x="5532715" y="4304239"/>
+              <a:ext cx="74870" cy="0"/>
+            </a:xfrm>
+            <a:prstGeom prst="line">
+              <a:avLst/>
+            </a:prstGeom>
+            <a:ln w="19050">
+              <a:solidFill>
+                <a:schemeClr val="tx1"/>
+              </a:solidFill>
+            </a:ln>
+          </p:spPr>
+          <p:style>
+            <a:lnRef idx="1">
+              <a:schemeClr val="accent1"/>
+            </a:lnRef>
+            <a:fillRef idx="0">
+              <a:schemeClr val="accent1"/>
+            </a:fillRef>
+            <a:effectRef idx="0">
+              <a:schemeClr val="accent1"/>
+            </a:effectRef>
+            <a:fontRef idx="minor">
+              <a:schemeClr val="tx1"/>
+            </a:fontRef>
+          </p:style>
+        </p:cxnSp>
+        <p:cxnSp>
+          <p:nvCxnSpPr>
+            <p:cNvPr id="169" name="직선 연결선 168"/>
+            <p:cNvCxnSpPr>
+              <a:stCxn id="157" idx="1"/>
+            </p:cNvCxnSpPr>
+            <p:nvPr/>
+          </p:nvCxnSpPr>
+          <p:spPr>
+            <a:xfrm flipH="1">
+              <a:off x="5532715" y="4793060"/>
+              <a:ext cx="74870" cy="0"/>
+            </a:xfrm>
+            <a:prstGeom prst="line">
+              <a:avLst/>
+            </a:prstGeom>
+            <a:ln w="19050">
+              <a:solidFill>
+                <a:schemeClr val="tx1"/>
+              </a:solidFill>
+            </a:ln>
+          </p:spPr>
+          <p:style>
+            <a:lnRef idx="1">
+              <a:schemeClr val="accent1"/>
+            </a:lnRef>
+            <a:fillRef idx="0">
+              <a:schemeClr val="accent1"/>
+            </a:fillRef>
+            <a:effectRef idx="0">
+              <a:schemeClr val="accent1"/>
+            </a:effectRef>
+            <a:fontRef idx="minor">
+              <a:schemeClr val="tx1"/>
+            </a:fontRef>
+          </p:style>
+        </p:cxnSp>
+        <p:sp>
+          <p:nvSpPr>
+            <p:cNvPr id="170" name="직사각형 169"/>
+            <p:cNvSpPr/>
+            <p:nvPr/>
+          </p:nvSpPr>
+          <p:spPr>
+            <a:xfrm>
+              <a:off x="5607585" y="5621328"/>
+              <a:ext cx="1372336" cy="353291"/>
+            </a:xfrm>
+            <a:prstGeom prst="rect">
+              <a:avLst/>
+            </a:prstGeom>
+            <a:solidFill>
+              <a:schemeClr val="bg1"/>
+            </a:solidFill>
+            <a:ln w="19050">
+              <a:solidFill>
+                <a:schemeClr val="tx1"/>
+              </a:solidFill>
+            </a:ln>
+          </p:spPr>
+          <p:style>
+            <a:lnRef idx="2">
+              <a:schemeClr val="accent1">
+                <a:shade val="50000"/>
+              </a:schemeClr>
+            </a:lnRef>
+            <a:fillRef idx="1">
+              <a:schemeClr val="accent1"/>
+            </a:fillRef>
+            <a:effectRef idx="0">
+              <a:schemeClr val="accent1"/>
+            </a:effectRef>
+            <a:fontRef idx="minor">
+              <a:schemeClr val="lt1"/>
+            </a:fontRef>
+          </p:style>
+          <p:txBody>
+            <a:bodyPr rtlCol="0" anchor="ctr"/>
+            <a:lstStyle/>
+            <a:p>
+              <a:pPr algn="ctr"/>
+              <a:r>
+                <a:rPr lang="ko-KR" altLang="en-US" sz="1000" dirty="0">
+                  <a:ln w="0"/>
+                  <a:solidFill>
+                    <a:schemeClr val="tx1"/>
+                  </a:solidFill>
+                  <a:effectLst>
+                    <a:outerShdw blurRad="38100" dist="19050" dir="2700000" algn="tl" rotWithShape="0">
+                      <a:schemeClr val="dk1">
+                        <a:alpha val="40000"/>
+                      </a:schemeClr>
+                    </a:outerShdw>
+                  </a:effectLst>
+                </a:rPr>
+                <a:t>게시판 창</a:t>
+              </a:r>
+              <a:endParaRPr lang="ko-KR" altLang="en-US" sz="1000" dirty="0">
+                <a:ln w="0"/>
+                <a:solidFill>
+                  <a:schemeClr val="tx1"/>
+                </a:solidFill>
+                <a:effectLst>
+                  <a:outerShdw blurRad="38100" dist="19050" dir="2700000" algn="tl" rotWithShape="0">
+                    <a:schemeClr val="dk1">
+                      <a:alpha val="40000"/>
+                    </a:schemeClr>
+                  </a:outerShdw>
+                </a:effectLst>
+              </a:endParaRPr>
+            </a:p>
+          </p:txBody>
+        </p:sp>
+        <p:sp>
+          <p:nvSpPr>
+            <p:cNvPr id="171" name="TextBox 170"/>
+            <p:cNvSpPr txBox="1"/>
+            <p:nvPr/>
+          </p:nvSpPr>
+          <p:spPr>
+            <a:xfrm>
+              <a:off x="5603996" y="5423252"/>
+              <a:ext cx="361637" cy="200055"/>
+            </a:xfrm>
+            <a:prstGeom prst="rect">
+              <a:avLst/>
+            </a:prstGeom>
+            <a:noFill/>
+          </p:spPr>
+          <p:txBody>
+            <a:bodyPr wrap="none" lIns="0" bIns="0" rtlCol="0" anchor="b">
+              <a:spAutoFit/>
+            </a:bodyPr>
+            <a:lstStyle/>
+            <a:p>
+              <a:r>
+                <a:rPr lang="en-US" altLang="ko-KR" sz="1000" dirty="0" smtClean="0"/>
+                <a:t>2.2.5</a:t>
+              </a:r>
+              <a:endParaRPr lang="ko-KR" altLang="en-US" sz="1000" dirty="0"/>
+            </a:p>
+          </p:txBody>
+        </p:sp>
+        <p:cxnSp>
+          <p:nvCxnSpPr>
+            <p:cNvPr id="172" name="직선 연결선 171"/>
+            <p:cNvCxnSpPr>
+              <a:stCxn id="170" idx="1"/>
+            </p:cNvCxnSpPr>
+            <p:nvPr/>
+          </p:nvCxnSpPr>
+          <p:spPr>
+            <a:xfrm flipH="1">
+              <a:off x="5532715" y="5797974"/>
+              <a:ext cx="74870" cy="0"/>
+            </a:xfrm>
+            <a:prstGeom prst="line">
+              <a:avLst/>
+            </a:prstGeom>
+            <a:ln w="19050">
+              <a:solidFill>
+                <a:schemeClr val="tx1"/>
+              </a:solidFill>
+            </a:ln>
+          </p:spPr>
+          <p:style>
+            <a:lnRef idx="1">
+              <a:schemeClr val="accent1"/>
+            </a:lnRef>
+            <a:fillRef idx="0">
+              <a:schemeClr val="accent1"/>
+            </a:fillRef>
+            <a:effectRef idx="0">
+              <a:schemeClr val="accent1"/>
+            </a:effectRef>
+            <a:fontRef idx="minor">
+              <a:schemeClr val="tx1"/>
+            </a:fontRef>
+          </p:style>
+        </p:cxnSp>
+        <p:sp>
+          <p:nvSpPr>
+            <p:cNvPr id="173" name="직사각형 172"/>
+            <p:cNvSpPr/>
+            <p:nvPr/>
+          </p:nvSpPr>
+          <p:spPr>
+            <a:xfrm>
+              <a:off x="5607585" y="6126817"/>
+              <a:ext cx="1372336" cy="353291"/>
+            </a:xfrm>
+            <a:prstGeom prst="rect">
+              <a:avLst/>
+            </a:prstGeom>
+            <a:solidFill>
+              <a:schemeClr val="bg1"/>
+            </a:solidFill>
+            <a:ln w="19050">
+              <a:solidFill>
+                <a:schemeClr val="tx1"/>
+              </a:solidFill>
+            </a:ln>
+          </p:spPr>
+          <p:style>
+            <a:lnRef idx="2">
+              <a:schemeClr val="accent1">
+                <a:shade val="50000"/>
+              </a:schemeClr>
+            </a:lnRef>
+            <a:fillRef idx="1">
+              <a:schemeClr val="accent1"/>
+            </a:fillRef>
+            <a:effectRef idx="0">
+              <a:schemeClr val="accent1"/>
+            </a:effectRef>
+            <a:fontRef idx="minor">
+              <a:schemeClr val="lt1"/>
+            </a:fontRef>
+          </p:style>
+          <p:txBody>
+            <a:bodyPr rtlCol="0" anchor="ctr"/>
+            <a:lstStyle/>
+            <a:p>
+              <a:pPr algn="ctr"/>
+              <a:r>
+                <a:rPr lang="ko-KR" altLang="en-US" sz="1000" dirty="0">
+                  <a:ln w="0"/>
+                  <a:solidFill>
+                    <a:schemeClr val="tx1"/>
+                  </a:solidFill>
+                  <a:effectLst>
+                    <a:outerShdw blurRad="38100" dist="19050" dir="2700000" algn="tl" rotWithShape="0">
+                      <a:schemeClr val="dk1">
+                        <a:alpha val="40000"/>
+                      </a:schemeClr>
+                    </a:outerShdw>
+                  </a:effectLst>
+                </a:rPr>
+                <a:t>과목 </a:t>
+              </a:r>
+              <a:r>
+                <a:rPr lang="en-US" altLang="ko-KR" sz="1000" dirty="0">
+                  <a:ln w="0"/>
+                  <a:solidFill>
+                    <a:schemeClr val="tx1"/>
+                  </a:solidFill>
+                  <a:effectLst>
+                    <a:outerShdw blurRad="38100" dist="19050" dir="2700000" algn="tl" rotWithShape="0">
+                      <a:schemeClr val="dk1">
+                        <a:alpha val="40000"/>
+                      </a:schemeClr>
+                    </a:outerShdw>
+                  </a:effectLst>
+                </a:rPr>
+                <a:t>/ </a:t>
+              </a:r>
+              <a:r>
+                <a:rPr lang="ko-KR" altLang="en-US" sz="1000" dirty="0">
+                  <a:ln w="0"/>
+                  <a:solidFill>
+                    <a:schemeClr val="tx1"/>
+                  </a:solidFill>
+                  <a:effectLst>
+                    <a:outerShdw blurRad="38100" dist="19050" dir="2700000" algn="tl" rotWithShape="0">
+                      <a:schemeClr val="dk1">
+                        <a:alpha val="40000"/>
+                      </a:schemeClr>
+                    </a:outerShdw>
+                  </a:effectLst>
+                </a:rPr>
+                <a:t>항목 리스트</a:t>
+              </a:r>
+              <a:endParaRPr lang="ko-KR" altLang="en-US" sz="1000" dirty="0">
+                <a:ln w="0"/>
+                <a:solidFill>
+                  <a:schemeClr val="tx1"/>
+                </a:solidFill>
+                <a:effectLst>
+                  <a:outerShdw blurRad="38100" dist="19050" dir="2700000" algn="tl" rotWithShape="0">
+                    <a:schemeClr val="dk1">
+                      <a:alpha val="40000"/>
+                    </a:schemeClr>
+                  </a:outerShdw>
+                </a:effectLst>
+              </a:endParaRPr>
+            </a:p>
+          </p:txBody>
+        </p:sp>
+        <p:sp>
+          <p:nvSpPr>
+            <p:cNvPr id="174" name="TextBox 173"/>
+            <p:cNvSpPr txBox="1"/>
+            <p:nvPr/>
+          </p:nvSpPr>
+          <p:spPr>
+            <a:xfrm>
+              <a:off x="5603996" y="5928741"/>
+              <a:ext cx="361637" cy="200055"/>
+            </a:xfrm>
+            <a:prstGeom prst="rect">
+              <a:avLst/>
+            </a:prstGeom>
+            <a:noFill/>
+          </p:spPr>
+          <p:txBody>
+            <a:bodyPr wrap="none" lIns="0" bIns="0" rtlCol="0" anchor="b">
+              <a:spAutoFit/>
+            </a:bodyPr>
+            <a:lstStyle/>
+            <a:p>
+              <a:r>
+                <a:rPr lang="en-US" altLang="ko-KR" sz="1000" dirty="0" smtClean="0"/>
+                <a:t>2.2.6</a:t>
+              </a:r>
+              <a:endParaRPr lang="ko-KR" altLang="en-US" sz="1000" dirty="0"/>
+            </a:p>
+          </p:txBody>
+        </p:sp>
+        <p:cxnSp>
+          <p:nvCxnSpPr>
+            <p:cNvPr id="175" name="직선 연결선 174"/>
+            <p:cNvCxnSpPr>
+              <a:stCxn id="159" idx="1"/>
+            </p:cNvCxnSpPr>
+            <p:nvPr/>
+          </p:nvCxnSpPr>
+          <p:spPr>
+            <a:xfrm>
+              <a:off x="5607585" y="5281880"/>
+              <a:ext cx="0" cy="0"/>
+            </a:xfrm>
+            <a:prstGeom prst="line">
+              <a:avLst/>
+            </a:prstGeom>
+            <a:ln w="19050">
+              <a:solidFill>
+                <a:schemeClr val="tx1"/>
+              </a:solidFill>
+            </a:ln>
+          </p:spPr>
+          <p:style>
+            <a:lnRef idx="1">
+              <a:schemeClr val="accent1"/>
+            </a:lnRef>
+            <a:fillRef idx="0">
+              <a:schemeClr val="accent1"/>
+            </a:fillRef>
+            <a:effectRef idx="0">
+              <a:schemeClr val="accent1"/>
+            </a:effectRef>
+            <a:fontRef idx="minor">
+              <a:schemeClr val="tx1"/>
+            </a:fontRef>
+          </p:style>
+        </p:cxnSp>
+        <p:cxnSp>
+          <p:nvCxnSpPr>
+            <p:cNvPr id="176" name="직선 연결선 175"/>
+            <p:cNvCxnSpPr>
+              <a:stCxn id="159" idx="1"/>
+            </p:cNvCxnSpPr>
+            <p:nvPr/>
+          </p:nvCxnSpPr>
+          <p:spPr>
+            <a:xfrm flipH="1">
+              <a:off x="5532715" y="5281880"/>
+              <a:ext cx="74870" cy="0"/>
+            </a:xfrm>
+            <a:prstGeom prst="line">
+              <a:avLst/>
+            </a:prstGeom>
+            <a:ln w="19050">
+              <a:solidFill>
+                <a:schemeClr val="tx1"/>
+              </a:solidFill>
+            </a:ln>
+          </p:spPr>
+          <p:style>
+            <a:lnRef idx="1">
+              <a:schemeClr val="accent1"/>
+            </a:lnRef>
+            <a:fillRef idx="0">
+              <a:schemeClr val="accent1"/>
+            </a:fillRef>
+            <a:effectRef idx="0">
+              <a:schemeClr val="accent1"/>
+            </a:effectRef>
+            <a:fontRef idx="minor">
+              <a:schemeClr val="tx1"/>
+            </a:fontRef>
+          </p:style>
+        </p:cxnSp>
+        <p:sp>
+          <p:nvSpPr>
+            <p:cNvPr id="177" name="직사각형 176"/>
+            <p:cNvSpPr/>
+            <p:nvPr/>
+          </p:nvSpPr>
+          <p:spPr>
+            <a:xfrm>
+              <a:off x="5607585" y="6642912"/>
+              <a:ext cx="1372336" cy="353291"/>
+            </a:xfrm>
+            <a:prstGeom prst="rect">
+              <a:avLst/>
+            </a:prstGeom>
+            <a:solidFill>
+              <a:schemeClr val="bg1"/>
+            </a:solidFill>
+            <a:ln w="19050">
+              <a:solidFill>
+                <a:schemeClr val="tx1"/>
+              </a:solidFill>
+            </a:ln>
+          </p:spPr>
+          <p:style>
+            <a:lnRef idx="2">
+              <a:schemeClr val="accent1">
+                <a:shade val="50000"/>
+              </a:schemeClr>
+            </a:lnRef>
+            <a:fillRef idx="1">
+              <a:schemeClr val="accent1"/>
+            </a:fillRef>
+            <a:effectRef idx="0">
+              <a:schemeClr val="accent1"/>
+            </a:effectRef>
+            <a:fontRef idx="minor">
+              <a:schemeClr val="lt1"/>
+            </a:fontRef>
+          </p:style>
+          <p:txBody>
+            <a:bodyPr rtlCol="0" anchor="ctr"/>
+            <a:lstStyle/>
+            <a:p>
+              <a:pPr algn="ctr"/>
+              <a:r>
+                <a:rPr lang="ko-KR" altLang="en-US" sz="1000" dirty="0">
+                  <a:ln w="0"/>
+                  <a:solidFill>
+                    <a:schemeClr val="tx1"/>
+                  </a:solidFill>
+                  <a:effectLst>
+                    <a:outerShdw blurRad="38100" dist="19050" dir="2700000" algn="tl" rotWithShape="0">
+                      <a:schemeClr val="dk1">
+                        <a:alpha val="40000"/>
+                      </a:schemeClr>
+                    </a:outerShdw>
+                  </a:effectLst>
+                </a:rPr>
+                <a:t>정렬 부분</a:t>
+              </a:r>
+              <a:endParaRPr lang="ko-KR" altLang="en-US" sz="1000" dirty="0">
+                <a:ln w="0"/>
+                <a:solidFill>
+                  <a:schemeClr val="tx1"/>
+                </a:solidFill>
+                <a:effectLst>
+                  <a:outerShdw blurRad="38100" dist="19050" dir="2700000" algn="tl" rotWithShape="0">
+                    <a:schemeClr val="dk1">
+                      <a:alpha val="40000"/>
+                    </a:schemeClr>
+                  </a:outerShdw>
+                </a:effectLst>
+              </a:endParaRPr>
+            </a:p>
+          </p:txBody>
+        </p:sp>
+        <p:sp>
+          <p:nvSpPr>
+            <p:cNvPr id="178" name="TextBox 177"/>
+            <p:cNvSpPr txBox="1"/>
+            <p:nvPr/>
+          </p:nvSpPr>
+          <p:spPr>
+            <a:xfrm>
+              <a:off x="5603996" y="6444836"/>
+              <a:ext cx="361637" cy="200055"/>
+            </a:xfrm>
+            <a:prstGeom prst="rect">
+              <a:avLst/>
+            </a:prstGeom>
+            <a:noFill/>
+          </p:spPr>
+          <p:txBody>
+            <a:bodyPr wrap="none" lIns="0" bIns="0" rtlCol="0" anchor="b">
+              <a:spAutoFit/>
+            </a:bodyPr>
+            <a:lstStyle/>
+            <a:p>
+              <a:r>
+                <a:rPr lang="en-US" altLang="ko-KR" sz="1000" dirty="0" smtClean="0"/>
+                <a:t>2.2.7</a:t>
+              </a:r>
+              <a:endParaRPr lang="ko-KR" altLang="en-US" sz="1000" dirty="0"/>
+            </a:p>
+          </p:txBody>
+        </p:sp>
+        <p:cxnSp>
+          <p:nvCxnSpPr>
+            <p:cNvPr id="179" name="직선 연결선 178"/>
+            <p:cNvCxnSpPr>
+              <a:stCxn id="177" idx="1"/>
+            </p:cNvCxnSpPr>
+            <p:nvPr/>
+          </p:nvCxnSpPr>
+          <p:spPr>
+            <a:xfrm flipH="1">
+              <a:off x="5532715" y="6819558"/>
+              <a:ext cx="74870" cy="0"/>
+            </a:xfrm>
+            <a:prstGeom prst="line">
+              <a:avLst/>
+            </a:prstGeom>
+            <a:ln w="19050">
+              <a:solidFill>
+                <a:schemeClr val="tx1"/>
+              </a:solidFill>
+            </a:ln>
+          </p:spPr>
+          <p:style>
+            <a:lnRef idx="1">
+              <a:schemeClr val="accent1"/>
+            </a:lnRef>
+            <a:fillRef idx="0">
+              <a:schemeClr val="accent1"/>
+            </a:fillRef>
+            <a:effectRef idx="0">
+              <a:schemeClr val="accent1"/>
+            </a:effectRef>
+            <a:fontRef idx="minor">
+              <a:schemeClr val="tx1"/>
+            </a:fontRef>
+          </p:style>
+        </p:cxnSp>
+        <p:sp>
+          <p:nvSpPr>
+            <p:cNvPr id="180" name="직사각형 179"/>
+            <p:cNvSpPr/>
+            <p:nvPr/>
+          </p:nvSpPr>
+          <p:spPr>
+            <a:xfrm>
+              <a:off x="5607585" y="7159007"/>
+              <a:ext cx="1372336" cy="353291"/>
+            </a:xfrm>
+            <a:prstGeom prst="rect">
+              <a:avLst/>
+            </a:prstGeom>
+            <a:solidFill>
+              <a:schemeClr val="bg1"/>
+            </a:solidFill>
+            <a:ln w="19050">
+              <a:solidFill>
+                <a:schemeClr val="tx1"/>
+              </a:solidFill>
+            </a:ln>
+          </p:spPr>
+          <p:style>
+            <a:lnRef idx="2">
+              <a:schemeClr val="accent1">
+                <a:shade val="50000"/>
+              </a:schemeClr>
+            </a:lnRef>
+            <a:fillRef idx="1">
+              <a:schemeClr val="accent1"/>
+            </a:fillRef>
+            <a:effectRef idx="0">
+              <a:schemeClr val="accent1"/>
+            </a:effectRef>
+            <a:fontRef idx="minor">
+              <a:schemeClr val="lt1"/>
+            </a:fontRef>
+          </p:style>
+          <p:txBody>
+            <a:bodyPr rtlCol="0" anchor="ctr"/>
+            <a:lstStyle/>
+            <a:p>
+              <a:pPr algn="ctr"/>
+              <a:r>
+                <a:rPr lang="ko-KR" altLang="en-US" sz="1000" dirty="0">
+                  <a:ln w="0"/>
+                  <a:solidFill>
+                    <a:schemeClr val="tx1"/>
+                  </a:solidFill>
+                  <a:effectLst>
+                    <a:outerShdw blurRad="38100" dist="19050" dir="2700000" algn="tl" rotWithShape="0">
+                      <a:schemeClr val="dk1">
+                        <a:alpha val="40000"/>
+                      </a:schemeClr>
+                    </a:outerShdw>
+                  </a:effectLst>
+                </a:rPr>
+                <a:t>검색 부분</a:t>
+              </a:r>
+              <a:endParaRPr lang="ko-KR" altLang="en-US" sz="1000" dirty="0">
+                <a:ln w="0"/>
+                <a:solidFill>
+                  <a:schemeClr val="tx1"/>
+                </a:solidFill>
+                <a:effectLst>
+                  <a:outerShdw blurRad="38100" dist="19050" dir="2700000" algn="tl" rotWithShape="0">
+                    <a:schemeClr val="dk1">
+                      <a:alpha val="40000"/>
+                    </a:schemeClr>
+                  </a:outerShdw>
+                </a:effectLst>
+              </a:endParaRPr>
+            </a:p>
+          </p:txBody>
+        </p:sp>
+        <p:sp>
+          <p:nvSpPr>
+            <p:cNvPr id="181" name="TextBox 180"/>
+            <p:cNvSpPr txBox="1"/>
+            <p:nvPr/>
+          </p:nvSpPr>
+          <p:spPr>
+            <a:xfrm>
+              <a:off x="5603996" y="6960931"/>
+              <a:ext cx="361637" cy="200055"/>
+            </a:xfrm>
+            <a:prstGeom prst="rect">
+              <a:avLst/>
+            </a:prstGeom>
+            <a:noFill/>
+          </p:spPr>
+          <p:txBody>
+            <a:bodyPr wrap="none" lIns="0" bIns="0" rtlCol="0" anchor="b">
+              <a:spAutoFit/>
+            </a:bodyPr>
+            <a:lstStyle/>
+            <a:p>
+              <a:r>
+                <a:rPr lang="en-US" altLang="ko-KR" sz="1000" dirty="0" smtClean="0"/>
+                <a:t>2.2.8</a:t>
+              </a:r>
+              <a:endParaRPr lang="ko-KR" altLang="en-US" sz="1000" dirty="0"/>
+            </a:p>
+          </p:txBody>
+        </p:sp>
+        <p:cxnSp>
+          <p:nvCxnSpPr>
+            <p:cNvPr id="182" name="직선 연결선 181"/>
+            <p:cNvCxnSpPr>
+              <a:stCxn id="180" idx="1"/>
+            </p:cNvCxnSpPr>
+            <p:nvPr/>
+          </p:nvCxnSpPr>
+          <p:spPr>
+            <a:xfrm flipH="1">
+              <a:off x="5532715" y="7335653"/>
+              <a:ext cx="74870" cy="0"/>
+            </a:xfrm>
+            <a:prstGeom prst="line">
+              <a:avLst/>
+            </a:prstGeom>
+            <a:ln w="19050">
+              <a:solidFill>
+                <a:schemeClr val="tx1"/>
+              </a:solidFill>
+            </a:ln>
+          </p:spPr>
+          <p:style>
+            <a:lnRef idx="1">
+              <a:schemeClr val="accent1"/>
+            </a:lnRef>
+            <a:fillRef idx="0">
+              <a:schemeClr val="accent1"/>
+            </a:fillRef>
+            <a:effectRef idx="0">
+              <a:schemeClr val="accent1"/>
+            </a:effectRef>
+            <a:fontRef idx="minor">
+              <a:schemeClr val="tx1"/>
+            </a:fontRef>
+          </p:style>
+        </p:cxnSp>
+        <p:cxnSp>
+          <p:nvCxnSpPr>
+            <p:cNvPr id="183" name="직선 연결선 182"/>
+            <p:cNvCxnSpPr/>
+            <p:nvPr/>
+          </p:nvCxnSpPr>
+          <p:spPr>
+            <a:xfrm flipH="1">
+              <a:off x="5532714" y="7335652"/>
+              <a:ext cx="74870" cy="0"/>
+            </a:xfrm>
+            <a:prstGeom prst="line">
+              <a:avLst/>
+            </a:prstGeom>
+            <a:ln w="19050">
+              <a:solidFill>
+                <a:schemeClr val="tx1"/>
+              </a:solidFill>
+            </a:ln>
+          </p:spPr>
+          <p:style>
+            <a:lnRef idx="1">
+              <a:schemeClr val="accent1"/>
+            </a:lnRef>
+            <a:fillRef idx="0">
+              <a:schemeClr val="accent1"/>
+            </a:fillRef>
+            <a:effectRef idx="0">
+              <a:schemeClr val="accent1"/>
+            </a:effectRef>
+            <a:fontRef idx="minor">
+              <a:schemeClr val="tx1"/>
+            </a:fontRef>
+          </p:style>
+        </p:cxnSp>
+        <p:sp>
+          <p:nvSpPr>
+            <p:cNvPr id="184" name="직사각형 183"/>
+            <p:cNvSpPr/>
+            <p:nvPr/>
+          </p:nvSpPr>
+          <p:spPr>
+            <a:xfrm>
+              <a:off x="5607585" y="7675101"/>
+              <a:ext cx="1372336" cy="353291"/>
+            </a:xfrm>
+            <a:prstGeom prst="rect">
+              <a:avLst/>
+            </a:prstGeom>
+            <a:solidFill>
+              <a:schemeClr val="bg1"/>
+            </a:solidFill>
+            <a:ln w="19050">
+              <a:solidFill>
+                <a:schemeClr val="tx1"/>
+              </a:solidFill>
+            </a:ln>
+          </p:spPr>
+          <p:style>
+            <a:lnRef idx="2">
+              <a:schemeClr val="accent1">
+                <a:shade val="50000"/>
+              </a:schemeClr>
+            </a:lnRef>
+            <a:fillRef idx="1">
+              <a:schemeClr val="accent1"/>
+            </a:fillRef>
+            <a:effectRef idx="0">
+              <a:schemeClr val="accent1"/>
+            </a:effectRef>
+            <a:fontRef idx="minor">
+              <a:schemeClr val="lt1"/>
+            </a:fontRef>
+          </p:style>
+          <p:txBody>
+            <a:bodyPr rtlCol="0" anchor="ctr"/>
+            <a:lstStyle/>
+            <a:p>
+              <a:pPr algn="ctr"/>
+              <a:r>
+                <a:rPr lang="ko-KR" altLang="en-US" sz="1000" dirty="0">
+                  <a:ln w="0"/>
+                  <a:solidFill>
+                    <a:schemeClr val="tx1"/>
+                  </a:solidFill>
+                  <a:effectLst>
+                    <a:outerShdw blurRad="38100" dist="19050" dir="2700000" algn="tl" rotWithShape="0">
+                      <a:schemeClr val="dk1">
+                        <a:alpha val="40000"/>
+                      </a:schemeClr>
+                    </a:outerShdw>
+                  </a:effectLst>
+                </a:rPr>
+                <a:t>달력 부분</a:t>
+              </a:r>
+              <a:endParaRPr lang="ko-KR" altLang="en-US" sz="1000" dirty="0">
+                <a:ln w="0"/>
+                <a:solidFill>
+                  <a:schemeClr val="tx1"/>
+                </a:solidFill>
+                <a:effectLst>
+                  <a:outerShdw blurRad="38100" dist="19050" dir="2700000" algn="tl" rotWithShape="0">
+                    <a:schemeClr val="dk1">
+                      <a:alpha val="40000"/>
+                    </a:schemeClr>
+                  </a:outerShdw>
+                </a:effectLst>
+              </a:endParaRPr>
+            </a:p>
+          </p:txBody>
+        </p:sp>
+        <p:sp>
+          <p:nvSpPr>
+            <p:cNvPr id="185" name="TextBox 184"/>
+            <p:cNvSpPr txBox="1"/>
+            <p:nvPr/>
+          </p:nvSpPr>
+          <p:spPr>
+            <a:xfrm>
+              <a:off x="5603996" y="7477025"/>
+              <a:ext cx="361637" cy="200055"/>
+            </a:xfrm>
+            <a:prstGeom prst="rect">
+              <a:avLst/>
+            </a:prstGeom>
+            <a:noFill/>
+          </p:spPr>
+          <p:txBody>
+            <a:bodyPr wrap="none" lIns="0" bIns="0" rtlCol="0" anchor="b">
+              <a:spAutoFit/>
+            </a:bodyPr>
+            <a:lstStyle/>
+            <a:p>
+              <a:r>
+                <a:rPr lang="en-US" altLang="ko-KR" sz="1000" dirty="0" smtClean="0"/>
+                <a:t>2.2.9</a:t>
+              </a:r>
+              <a:endParaRPr lang="ko-KR" altLang="en-US" sz="1000" dirty="0"/>
+            </a:p>
+          </p:txBody>
+        </p:sp>
+        <p:cxnSp>
+          <p:nvCxnSpPr>
+            <p:cNvPr id="186" name="직선 연결선 185"/>
+            <p:cNvCxnSpPr>
+              <a:stCxn id="173" idx="1"/>
+            </p:cNvCxnSpPr>
+            <p:nvPr/>
+          </p:nvCxnSpPr>
+          <p:spPr>
+            <a:xfrm flipH="1">
+              <a:off x="5532715" y="6303463"/>
+              <a:ext cx="74870" cy="0"/>
+            </a:xfrm>
+            <a:prstGeom prst="line">
+              <a:avLst/>
+            </a:prstGeom>
+            <a:ln w="19050">
+              <a:solidFill>
+                <a:schemeClr val="tx1"/>
+              </a:solidFill>
+            </a:ln>
+          </p:spPr>
+          <p:style>
+            <a:lnRef idx="1">
+              <a:schemeClr val="accent1"/>
+            </a:lnRef>
+            <a:fillRef idx="0">
+              <a:schemeClr val="accent1"/>
+            </a:fillRef>
+            <a:effectRef idx="0">
+              <a:schemeClr val="accent1"/>
+            </a:effectRef>
+            <a:fontRef idx="minor">
+              <a:schemeClr val="tx1"/>
+            </a:fontRef>
+          </p:style>
+        </p:cxnSp>
+      </p:grpSp>
+      <p:sp>
+        <p:nvSpPr>
+          <p:cNvPr id="227" name="직사각형 226"/>
+          <p:cNvSpPr/>
+          <p:nvPr/>
+        </p:nvSpPr>
+        <p:spPr>
+          <a:xfrm>
+            <a:off x="6753204" y="-373018"/>
+            <a:ext cx="1727856" cy="353291"/>
+          </a:xfrm>
+          <a:prstGeom prst="rect">
+            <a:avLst/>
+          </a:prstGeom>
+          <a:solidFill>
+            <a:schemeClr val="bg1"/>
+          </a:solidFill>
+          <a:ln w="19050">
+            <a:solidFill>
+              <a:schemeClr val="tx1"/>
+            </a:solidFill>
+          </a:ln>
+        </p:spPr>
+        <p:style>
+          <a:lnRef idx="2">
+            <a:schemeClr val="accent1">
+              <a:shade val="50000"/>
+            </a:schemeClr>
+          </a:lnRef>
+          <a:fillRef idx="1">
+            <a:schemeClr val="accent1"/>
+          </a:fillRef>
+          <a:effectRef idx="0">
+            <a:schemeClr val="accent1"/>
+          </a:effectRef>
+          <a:fontRef idx="minor">
+            <a:schemeClr val="lt1"/>
+          </a:fontRef>
+        </p:style>
+        <p:txBody>
+          <a:bodyPr rtlCol="0" anchor="ctr"/>
+          <a:lstStyle/>
+          <a:p>
+            <a:pPr algn="ctr"/>
+            <a:r>
+              <a:rPr lang="ko-KR" altLang="en-US" sz="1000" dirty="0" smtClean="0">
+                <a:ln w="0"/>
+                <a:solidFill>
+                  <a:schemeClr val="tx1"/>
+                </a:solidFill>
+                <a:effectLst>
+                  <a:outerShdw blurRad="38100" dist="19050" dir="2700000" algn="tl" rotWithShape="0">
+                    <a:schemeClr val="dk1">
+                      <a:alpha val="40000"/>
+                    </a:schemeClr>
+                  </a:outerShdw>
+                </a:effectLst>
+              </a:rPr>
+              <a:t>로그인 및 계정 기능 구현</a:t>
+            </a:r>
+            <a:endParaRPr lang="ko-KR" altLang="en-US" sz="1000" dirty="0">
+              <a:ln w="0"/>
+              <a:solidFill>
+                <a:schemeClr val="tx1"/>
+              </a:solidFill>
+              <a:effectLst>
+                <a:outerShdw blurRad="38100" dist="19050" dir="2700000" algn="tl" rotWithShape="0">
+                  <a:schemeClr val="dk1">
+                    <a:alpha val="40000"/>
+                  </a:schemeClr>
+                </a:outerShdw>
+              </a:effectLst>
+            </a:endParaRPr>
+          </a:p>
+        </p:txBody>
+      </p:sp>
+      <p:sp>
+        <p:nvSpPr>
+          <p:cNvPr id="228" name="TextBox 227"/>
+          <p:cNvSpPr txBox="1"/>
+          <p:nvPr/>
+        </p:nvSpPr>
+        <p:spPr>
+          <a:xfrm>
+            <a:off x="6753204" y="-573073"/>
+            <a:ext cx="262251" cy="200055"/>
+          </a:xfrm>
+          <a:prstGeom prst="rect">
+            <a:avLst/>
+          </a:prstGeom>
+          <a:noFill/>
+        </p:spPr>
+        <p:txBody>
+          <a:bodyPr wrap="none" lIns="0" bIns="0" rtlCol="0" anchor="b">
+            <a:spAutoFit/>
+          </a:bodyPr>
+          <a:lstStyle/>
+          <a:p>
+            <a:r>
+              <a:rPr lang="en-US" altLang="ko-KR" sz="1000" dirty="0"/>
+              <a:t>3</a:t>
+            </a:r>
+            <a:r>
+              <a:rPr lang="en-US" altLang="ko-KR" sz="1000" dirty="0" smtClean="0"/>
+              <a:t>.1</a:t>
+            </a:r>
+            <a:endParaRPr lang="ko-KR" altLang="en-US" sz="1000" dirty="0"/>
+          </a:p>
+        </p:txBody>
+      </p:sp>
+      <p:cxnSp>
+        <p:nvCxnSpPr>
+          <p:cNvPr id="230" name="직선 연결선 229"/>
+          <p:cNvCxnSpPr>
+            <a:stCxn id="227" idx="1"/>
+          </p:cNvCxnSpPr>
+          <p:nvPr/>
+        </p:nvCxnSpPr>
+        <p:spPr>
+          <a:xfrm flipH="1">
+            <a:off x="6653498" y="-196372"/>
+            <a:ext cx="99706" cy="0"/>
+          </a:xfrm>
+          <a:prstGeom prst="line">
+            <a:avLst/>
+          </a:prstGeom>
+          <a:ln w="19050">
+            <a:solidFill>
+              <a:schemeClr val="tx1"/>
+            </a:solidFill>
+          </a:ln>
+        </p:spPr>
+        <p:style>
+          <a:lnRef idx="1">
+            <a:schemeClr val="accent1"/>
+          </a:lnRef>
+          <a:fillRef idx="0">
+            <a:schemeClr val="accent1"/>
+          </a:fillRef>
+          <a:effectRef idx="0">
+            <a:schemeClr val="accent1"/>
+          </a:effectRef>
+          <a:fontRef idx="minor">
+            <a:schemeClr val="tx1"/>
+          </a:fontRef>
+        </p:style>
+      </p:cxnSp>
+    </p:spTree>
+    <p:extLst>
+      <p:ext uri="{BB962C8B-B14F-4D97-AF65-F5344CB8AC3E}">
+        <p14:creationId xmlns:p14="http://schemas.microsoft.com/office/powerpoint/2010/main" val="418619641"/>
+      </p:ext>
+    </p:extLst>
+  </p:cSld>
+  <p:clrMapOvr>
+    <a:masterClrMapping/>
+  </p:clrMapOvr>
+  <p:timing>
+    <p:tnLst>
+      <p:par>
+        <p:cTn id="1" dur="indefinite" restart="never" nodeType="tmRoot"/>
+      </p:par>
+    </p:tnLst>
+  </p:timing>
+</p:sld>
+</file>
+
 <file path=ppt/theme/theme1.xml><?xml version="1.0" encoding="utf-8"?>
 <a:theme xmlns:a="http://schemas.openxmlformats.org/drawingml/2006/main" name="Office 테마">
   <a:themeElements>
